--- a/151019 Artwork.pptx
+++ b/151019 Artwork.pptx
@@ -258,7 +258,7 @@
           <a:p>
             <a:fld id="{F077C069-B739-4FEE-B1C2-9AE1A20352D7}" type="datetimeFigureOut">
               <a:rPr lang="zh-TW" altLang="en-US" smtClean="0"/>
-              <a:t>2017/1/9</a:t>
+              <a:t>2017/1/10</a:t>
             </a:fld>
             <a:endParaRPr lang="zh-TW" altLang="en-US"/>
           </a:p>
@@ -428,7 +428,7 @@
           <a:p>
             <a:fld id="{F077C069-B739-4FEE-B1C2-9AE1A20352D7}" type="datetimeFigureOut">
               <a:rPr lang="zh-TW" altLang="en-US" smtClean="0"/>
-              <a:t>2017/1/9</a:t>
+              <a:t>2017/1/10</a:t>
             </a:fld>
             <a:endParaRPr lang="zh-TW" altLang="en-US"/>
           </a:p>
@@ -608,7 +608,7 @@
           <a:p>
             <a:fld id="{F077C069-B739-4FEE-B1C2-9AE1A20352D7}" type="datetimeFigureOut">
               <a:rPr lang="zh-TW" altLang="en-US" smtClean="0"/>
-              <a:t>2017/1/9</a:t>
+              <a:t>2017/1/10</a:t>
             </a:fld>
             <a:endParaRPr lang="zh-TW" altLang="en-US"/>
           </a:p>
@@ -778,7 +778,7 @@
           <a:p>
             <a:fld id="{F077C069-B739-4FEE-B1C2-9AE1A20352D7}" type="datetimeFigureOut">
               <a:rPr lang="zh-TW" altLang="en-US" smtClean="0"/>
-              <a:t>2017/1/9</a:t>
+              <a:t>2017/1/10</a:t>
             </a:fld>
             <a:endParaRPr lang="zh-TW" altLang="en-US"/>
           </a:p>
@@ -1024,7 +1024,7 @@
           <a:p>
             <a:fld id="{F077C069-B739-4FEE-B1C2-9AE1A20352D7}" type="datetimeFigureOut">
               <a:rPr lang="zh-TW" altLang="en-US" smtClean="0"/>
-              <a:t>2017/1/9</a:t>
+              <a:t>2017/1/10</a:t>
             </a:fld>
             <a:endParaRPr lang="zh-TW" altLang="en-US"/>
           </a:p>
@@ -1256,7 +1256,7 @@
           <a:p>
             <a:fld id="{F077C069-B739-4FEE-B1C2-9AE1A20352D7}" type="datetimeFigureOut">
               <a:rPr lang="zh-TW" altLang="en-US" smtClean="0"/>
-              <a:t>2017/1/9</a:t>
+              <a:t>2017/1/10</a:t>
             </a:fld>
             <a:endParaRPr lang="zh-TW" altLang="en-US"/>
           </a:p>
@@ -1623,7 +1623,7 @@
           <a:p>
             <a:fld id="{F077C069-B739-4FEE-B1C2-9AE1A20352D7}" type="datetimeFigureOut">
               <a:rPr lang="zh-TW" altLang="en-US" smtClean="0"/>
-              <a:t>2017/1/9</a:t>
+              <a:t>2017/1/10</a:t>
             </a:fld>
             <a:endParaRPr lang="zh-TW" altLang="en-US"/>
           </a:p>
@@ -1741,7 +1741,7 @@
           <a:p>
             <a:fld id="{F077C069-B739-4FEE-B1C2-9AE1A20352D7}" type="datetimeFigureOut">
               <a:rPr lang="zh-TW" altLang="en-US" smtClean="0"/>
-              <a:t>2017/1/9</a:t>
+              <a:t>2017/1/10</a:t>
             </a:fld>
             <a:endParaRPr lang="zh-TW" altLang="en-US"/>
           </a:p>
@@ -1836,7 +1836,7 @@
           <a:p>
             <a:fld id="{F077C069-B739-4FEE-B1C2-9AE1A20352D7}" type="datetimeFigureOut">
               <a:rPr lang="zh-TW" altLang="en-US" smtClean="0"/>
-              <a:t>2017/1/9</a:t>
+              <a:t>2017/1/10</a:t>
             </a:fld>
             <a:endParaRPr lang="zh-TW" altLang="en-US"/>
           </a:p>
@@ -2113,7 +2113,7 @@
           <a:p>
             <a:fld id="{F077C069-B739-4FEE-B1C2-9AE1A20352D7}" type="datetimeFigureOut">
               <a:rPr lang="zh-TW" altLang="en-US" smtClean="0"/>
-              <a:t>2017/1/9</a:t>
+              <a:t>2017/1/10</a:t>
             </a:fld>
             <a:endParaRPr lang="zh-TW" altLang="en-US"/>
           </a:p>
@@ -2366,7 +2366,7 @@
           <a:p>
             <a:fld id="{F077C069-B739-4FEE-B1C2-9AE1A20352D7}" type="datetimeFigureOut">
               <a:rPr lang="zh-TW" altLang="en-US" smtClean="0"/>
-              <a:t>2017/1/9</a:t>
+              <a:t>2017/1/10</a:t>
             </a:fld>
             <a:endParaRPr lang="zh-TW" altLang="en-US"/>
           </a:p>
@@ -2579,7 +2579,7 @@
           <a:p>
             <a:fld id="{F077C069-B739-4FEE-B1C2-9AE1A20352D7}" type="datetimeFigureOut">
               <a:rPr lang="zh-TW" altLang="en-US" smtClean="0"/>
-              <a:t>2017/1/9</a:t>
+              <a:t>2017/1/10</a:t>
             </a:fld>
             <a:endParaRPr lang="zh-TW" altLang="en-US"/>
           </a:p>
@@ -2992,8 +2992,8 @@
         </p:nvSpPr>
         <p:spPr>
           <a:xfrm>
-            <a:off x="7979685" y="2136808"/>
-            <a:ext cx="2725456" cy="2897204"/>
+            <a:off x="7938864" y="1834734"/>
+            <a:ext cx="2998829" cy="2897204"/>
           </a:xfrm>
           <a:prstGeom prst="rect">
             <a:avLst/>
@@ -3045,7 +3045,7 @@
         </p:blipFill>
         <p:spPr bwMode="auto">
           <a:xfrm>
-            <a:off x="8189111" y="2375947"/>
+            <a:off x="8189111" y="2073873"/>
             <a:ext cx="2305050" cy="2567940"/>
           </a:xfrm>
           <a:prstGeom prst="rect">
@@ -3068,8 +3068,8 @@
         </p:nvSpPr>
         <p:spPr>
           <a:xfrm>
-            <a:off x="2596514" y="2225857"/>
-            <a:ext cx="3241040" cy="410845"/>
+            <a:off x="2220958" y="1923783"/>
+            <a:ext cx="3681822" cy="410845"/>
           </a:xfrm>
           <a:prstGeom prst="roundRect">
             <a:avLst/>
@@ -3102,7 +3102,7 @@
               </a:spcAft>
             </a:pPr>
             <a:r>
-              <a:rPr lang="en-US" sz="1200" b="1" i="1" kern="1200" dirty="0" err="1">
+              <a:rPr lang="en-US" sz="1400" b="1" i="1" kern="1200" dirty="0" err="1">
                 <a:solidFill>
                   <a:srgbClr val="FFFFFF"/>
                 </a:solidFill>
@@ -3113,7 +3113,7 @@
               <a:t>Imidacloprid</a:t>
             </a:r>
             <a:r>
-              <a:rPr lang="en-US" sz="1200" b="1" i="1" kern="1200" dirty="0">
+              <a:rPr lang="en-US" sz="1400" b="1" i="1" kern="1200" dirty="0">
                 <a:solidFill>
                   <a:srgbClr val="FFFFFF"/>
                 </a:solidFill>
@@ -3123,7 +3123,7 @@
               </a:rPr>
               <a:t> exposure dose and mortality rate</a:t>
             </a:r>
-            <a:endParaRPr lang="en-US" sz="1200" dirty="0">
+            <a:endParaRPr lang="en-US" sz="1400" dirty="0">
               <a:effectLst/>
               <a:latin typeface="Times New Roman" panose="02020603050405020304" pitchFamily="18" charset="0"/>
               <a:ea typeface="PMingLiU" panose="02020500000000000000" pitchFamily="18" charset="-120"/>
@@ -3139,8 +3139,8 @@
         </p:nvSpPr>
         <p:spPr>
           <a:xfrm>
-            <a:off x="4609464" y="722631"/>
-            <a:ext cx="2974975" cy="607060"/>
+            <a:off x="4354344" y="722631"/>
+            <a:ext cx="3230095" cy="607060"/>
           </a:xfrm>
           <a:prstGeom prst="flowChartInputOutput">
             <a:avLst/>
@@ -3180,7 +3180,7 @@
               </a:spcAft>
             </a:pPr>
             <a:r>
-              <a:rPr lang="en-US" sz="1200" b="1" i="1" kern="1200" dirty="0">
+              <a:rPr lang="en-US" sz="1400" b="1" i="1" kern="1200" dirty="0">
                 <a:solidFill>
                   <a:srgbClr val="FFFFFF"/>
                 </a:solidFill>
@@ -3191,7 +3191,7 @@
               <a:t>Environmental pesticides </a:t>
             </a:r>
             <a:r>
-              <a:rPr lang="en-US" sz="1200" b="1" i="1" kern="1200" dirty="0" smtClean="0">
+              <a:rPr lang="en-US" sz="1400" b="1" i="1" kern="1200" dirty="0" smtClean="0">
                 <a:solidFill>
                   <a:srgbClr val="FFFFFF"/>
                 </a:solidFill>
@@ -3201,7 +3201,7 @@
               </a:rPr>
               <a:t>investigation</a:t>
             </a:r>
-            <a:endParaRPr lang="en-US" sz="1200" dirty="0">
+            <a:endParaRPr lang="en-US" sz="1400" dirty="0">
               <a:solidFill>
                 <a:srgbClr val="00000A"/>
               </a:solidFill>
@@ -3221,7 +3221,7 @@
         </p:nvSpPr>
         <p:spPr>
           <a:xfrm>
-            <a:off x="2606139" y="724853"/>
+            <a:off x="2500006" y="724853"/>
             <a:ext cx="2012950" cy="607060"/>
           </a:xfrm>
           <a:prstGeom prst="flowChartInputOutput">
@@ -3262,7 +3262,7 @@
               </a:spcAft>
             </a:pPr>
             <a:r>
-              <a:rPr lang="en-US" sz="1200" b="1" i="1" kern="1200" dirty="0">
+              <a:rPr lang="en-US" sz="1400" b="1" i="1" kern="1200" dirty="0">
                 <a:solidFill>
                   <a:srgbClr val="FFFFFF"/>
                 </a:solidFill>
@@ -3272,7 +3272,7 @@
               </a:rPr>
               <a:t>Experimental bioassay </a:t>
             </a:r>
-            <a:endParaRPr lang="en-US" sz="1200" dirty="0">
+            <a:endParaRPr lang="en-US" sz="1400" dirty="0">
               <a:solidFill>
                 <a:srgbClr val="00000A"/>
               </a:solidFill>
@@ -3292,8 +3292,8 @@
         </p:nvSpPr>
         <p:spPr>
           <a:xfrm>
-            <a:off x="2766176" y="3580345"/>
-            <a:ext cx="2913746" cy="743585"/>
+            <a:off x="2529412" y="3270107"/>
+            <a:ext cx="3397860" cy="743585"/>
           </a:xfrm>
           <a:prstGeom prst="flowChartTerminator">
             <a:avLst/>
@@ -3331,7 +3331,7 @@
               </a:spcAft>
             </a:pPr>
             <a:r>
-              <a:rPr lang="en-US" sz="1200" b="1" i="1" kern="1200" dirty="0" err="1">
+              <a:rPr lang="en-US" sz="1400" b="1" i="1" kern="1200" dirty="0" err="1">
                 <a:solidFill>
                   <a:srgbClr val="FFFFFF"/>
                 </a:solidFill>
@@ -3342,7 +3342,7 @@
               <a:t>Imidacloprid</a:t>
             </a:r>
             <a:r>
-              <a:rPr lang="en-US" sz="1200" b="1" i="1" kern="1200" dirty="0">
+              <a:rPr lang="en-US" sz="1400" b="1" i="1" kern="1200" dirty="0">
                 <a:solidFill>
                   <a:srgbClr val="FFFFFF"/>
                 </a:solidFill>
@@ -3352,7 +3352,7 @@
               </a:rPr>
               <a:t>-induced mortality risk in short (10 day) and mid (30 day) term</a:t>
             </a:r>
-            <a:endParaRPr lang="en-US" sz="1200" dirty="0">
+            <a:endParaRPr lang="en-US" sz="1400" dirty="0">
               <a:solidFill>
                 <a:srgbClr val="00000A"/>
               </a:solidFill>
@@ -3413,7 +3413,7 @@
               </a:spcAft>
             </a:pPr>
             <a:r>
-              <a:rPr lang="en-US" sz="1200" b="1" i="1" kern="1200" dirty="0" smtClean="0">
+              <a:rPr lang="en-US" sz="1400" b="1" i="1" kern="1200" dirty="0" smtClean="0">
                 <a:solidFill>
                   <a:srgbClr val="FFFFFF"/>
                 </a:solidFill>
@@ -3421,9 +3421,49 @@
                 <a:ea typeface="PMingLiU" panose="02020500000000000000" pitchFamily="18" charset="-120"/>
                 <a:cs typeface="Times New Roman" panose="02020603050405020304" pitchFamily="18" charset="0"/>
               </a:rPr>
-              <a:t>Seasonality of mortality, laying and, food collection </a:t>
-            </a:r>
-            <a:endParaRPr lang="en-US" sz="1200" dirty="0">
+              <a:t>Seasonality of </a:t>
+            </a:r>
+            <a:r>
+              <a:rPr lang="en-US" sz="1400" b="1" i="1" dirty="0">
+                <a:solidFill>
+                  <a:srgbClr val="FFFFFF"/>
+                </a:solidFill>
+                <a:ea typeface="PMingLiU" panose="02020500000000000000" pitchFamily="18" charset="-120"/>
+                <a:cs typeface="Times New Roman" panose="02020603050405020304" pitchFamily="18" charset="0"/>
+              </a:rPr>
+              <a:t> </a:t>
+            </a:r>
+            <a:r>
+              <a:rPr lang="en-US" sz="1400" b="1" i="1" dirty="0" smtClean="0">
+                <a:solidFill>
+                  <a:srgbClr val="FFFFFF"/>
+                </a:solidFill>
+                <a:ea typeface="PMingLiU" panose="02020500000000000000" pitchFamily="18" charset="-120"/>
+                <a:cs typeface="Times New Roman" panose="02020603050405020304" pitchFamily="18" charset="0"/>
+              </a:rPr>
+              <a:t>Parameter Rate </a:t>
+            </a:r>
+            <a:r>
+              <a:rPr lang="en-US" sz="1400" b="1" i="1" dirty="0">
+                <a:solidFill>
+                  <a:srgbClr val="FFFFFF"/>
+                </a:solidFill>
+                <a:ea typeface="PMingLiU" panose="02020500000000000000" pitchFamily="18" charset="-120"/>
+                <a:cs typeface="Times New Roman" panose="02020603050405020304" pitchFamily="18" charset="0"/>
+              </a:rPr>
+              <a:t>R</a:t>
+            </a:r>
+            <a:r>
+              <a:rPr lang="en-US" sz="1400" b="1" i="1" dirty="0" smtClean="0">
+                <a:solidFill>
+                  <a:srgbClr val="FFFFFF"/>
+                </a:solidFill>
+                <a:ea typeface="PMingLiU" panose="02020500000000000000" pitchFamily="18" charset="-120"/>
+                <a:cs typeface="Times New Roman" panose="02020603050405020304" pitchFamily="18" charset="0"/>
+              </a:rPr>
+              <a:t>atios</a:t>
+            </a:r>
+            <a:endParaRPr lang="en-US" sz="1400" dirty="0">
               <a:solidFill>
                 <a:srgbClr val="00000A"/>
               </a:solidFill>
@@ -3438,13 +3478,15 @@
       <p:cxnSp>
         <p:nvCxnSpPr>
           <p:cNvPr id="9" name="Straight Arrow Connector 8"/>
-          <p:cNvCxnSpPr/>
+          <p:cNvCxnSpPr>
+            <a:stCxn id="5" idx="4"/>
+          </p:cNvCxnSpPr>
           <p:nvPr/>
         </p:nvCxnSpPr>
         <p:spPr>
-          <a:xfrm flipH="1">
-            <a:off x="3543642" y="1331913"/>
-            <a:ext cx="0" cy="893944"/>
+          <a:xfrm>
+            <a:off x="3506481" y="1331913"/>
+            <a:ext cx="6923" cy="586664"/>
           </a:xfrm>
           <a:prstGeom prst="straightConnector1">
             <a:avLst/>
@@ -3476,7 +3518,7 @@
         </p:nvCxnSpPr>
         <p:spPr>
           <a:xfrm flipH="1">
-            <a:off x="4217034" y="2666364"/>
+            <a:off x="4217034" y="2364290"/>
             <a:ext cx="0" cy="893944"/>
           </a:xfrm>
           <a:prstGeom prst="straightConnector1">
@@ -3511,8 +3553,8 @@
         </p:nvCxnSpPr>
         <p:spPr>
           <a:xfrm rot="5400000">
-            <a:off x="4277035" y="1289042"/>
-            <a:ext cx="1779269" cy="1860566"/>
+            <a:off x="4328683" y="1239490"/>
+            <a:ext cx="1550508" cy="1730910"/>
           </a:xfrm>
           <a:prstGeom prst="bentConnector2">
             <a:avLst/>
@@ -3544,7 +3586,7 @@
         </p:nvSpPr>
         <p:spPr>
           <a:xfrm>
-            <a:off x="7817282" y="5605420"/>
+            <a:off x="7898925" y="5050253"/>
             <a:ext cx="3048708" cy="743585"/>
           </a:xfrm>
           <a:prstGeom prst="flowChartTerminator">
@@ -3576,7 +3618,7 @@
           <a:p>
             <a:pPr algn="ctr"/>
             <a:r>
-              <a:rPr lang="en-US" sz="1200" b="1" i="1" dirty="0" err="1">
+              <a:rPr lang="en-US" sz="1400" b="1" i="1" dirty="0" err="1">
                 <a:solidFill>
                   <a:srgbClr val="FFFFFF"/>
                 </a:solidFill>
@@ -3586,52 +3628,15 @@
               <a:t>Imidacloprid</a:t>
             </a:r>
             <a:r>
-              <a:rPr lang="en-US" sz="1200" b="1" i="1" dirty="0">
+              <a:rPr lang="en-US" sz="1400" b="1" i="1" dirty="0">
                 <a:solidFill>
                   <a:srgbClr val="FFFFFF"/>
                 </a:solidFill>
                 <a:ea typeface="PMingLiU" panose="02020500000000000000" pitchFamily="18" charset="-120"/>
                 <a:cs typeface="Times New Roman" panose="02020603050405020304" pitchFamily="18" charset="0"/>
               </a:rPr>
-              <a:t>-induced </a:t>
-            </a:r>
-            <a:r>
-              <a:rPr lang="en-US" sz="1200" b="1" i="1" dirty="0">
-                <a:solidFill>
-                  <a:srgbClr val="FFFFFF"/>
-                </a:solidFill>
-                <a:ea typeface="PMingLiU" panose="02020500000000000000" pitchFamily="18" charset="-120"/>
-                <a:cs typeface="Times New Roman" panose="02020603050405020304" pitchFamily="18" charset="0"/>
-              </a:rPr>
-              <a:t>population extinction risk </a:t>
-            </a:r>
-            <a:r>
-              <a:rPr lang="en-US" sz="1200" b="1" i="1" dirty="0">
-                <a:solidFill>
-                  <a:srgbClr val="FFFFFF"/>
-                </a:solidFill>
-                <a:ea typeface="PMingLiU" panose="02020500000000000000" pitchFamily="18" charset="-120"/>
-                <a:cs typeface="Times New Roman" panose="02020603050405020304" pitchFamily="18" charset="0"/>
-              </a:rPr>
-              <a:t>in </a:t>
-            </a:r>
-            <a:r>
-              <a:rPr lang="en-US" sz="1200" b="1" i="1" dirty="0">
-                <a:solidFill>
-                  <a:srgbClr val="FFFFFF"/>
-                </a:solidFill>
-                <a:ea typeface="PMingLiU" panose="02020500000000000000" pitchFamily="18" charset="-120"/>
-                <a:cs typeface="Times New Roman" panose="02020603050405020304" pitchFamily="18" charset="0"/>
-              </a:rPr>
-              <a:t>long term period</a:t>
-            </a:r>
-            <a:endParaRPr lang="en-US" sz="1200" b="1" i="1" dirty="0">
-              <a:solidFill>
-                <a:srgbClr val="FFFFFF"/>
-              </a:solidFill>
-              <a:ea typeface="PMingLiU" panose="02020500000000000000" pitchFamily="18" charset="-120"/>
-              <a:cs typeface="Times New Roman" panose="02020603050405020304" pitchFamily="18" charset="0"/>
-            </a:endParaRPr>
+              <a:t>-induced population extinction risk in long term period</a:t>
+            </a:r>
           </a:p>
         </p:txBody>
       </p:sp>
@@ -3643,8 +3648,8 @@
         </p:nvSpPr>
         <p:spPr>
           <a:xfrm>
-            <a:off x="8185948" y="1879346"/>
-            <a:ext cx="2413465" cy="410845"/>
+            <a:off x="8079812" y="1577272"/>
+            <a:ext cx="2680042" cy="410845"/>
           </a:xfrm>
           <a:prstGeom prst="roundRect">
             <a:avLst/>
@@ -3677,7 +3682,7 @@
               </a:spcAft>
             </a:pPr>
             <a:r>
-              <a:rPr lang="en-US" sz="1200" b="1" i="1" kern="1200" dirty="0" smtClean="0">
+              <a:rPr lang="en-US" sz="1400" b="1" i="1" kern="1200" dirty="0" smtClean="0">
                 <a:solidFill>
                   <a:srgbClr val="FFFFFF"/>
                 </a:solidFill>
@@ -3687,7 +3692,7 @@
               </a:rPr>
               <a:t>Bee colony population dynamics</a:t>
             </a:r>
-            <a:endParaRPr lang="en-US" sz="1200" dirty="0">
+            <a:endParaRPr lang="en-US" sz="1400" dirty="0">
               <a:effectLst/>
               <a:latin typeface="Times New Roman" panose="02020603050405020304" pitchFamily="18" charset="0"/>
               <a:ea typeface="PMingLiU" panose="02020500000000000000" pitchFamily="18" charset="-120"/>
@@ -3706,8 +3711,8 @@
         </p:nvCxnSpPr>
         <p:spPr>
           <a:xfrm flipH="1">
-            <a:off x="9392681" y="1329691"/>
-            <a:ext cx="0" cy="549655"/>
+            <a:off x="9419833" y="1329691"/>
+            <a:ext cx="2160" cy="247581"/>
           </a:xfrm>
           <a:prstGeom prst="straightConnector1">
             <a:avLst/>
@@ -3747,8 +3752,8 @@
         </p:nvCxnSpPr>
         <p:spPr>
           <a:xfrm>
-            <a:off x="7286942" y="1026161"/>
-            <a:ext cx="692743" cy="2559249"/>
+            <a:off x="7261430" y="1026161"/>
+            <a:ext cx="677434" cy="2257175"/>
           </a:xfrm>
           <a:prstGeom prst="bentConnector3">
             <a:avLst>
@@ -3789,12 +3794,12 @@
         </p:nvCxnSpPr>
         <p:spPr>
           <a:xfrm rot="10800000" flipH="1" flipV="1">
-            <a:off x="2596513" y="2431279"/>
-            <a:ext cx="5383171" cy="2056781"/>
+            <a:off x="2220957" y="2129205"/>
+            <a:ext cx="5727349" cy="2154637"/>
           </a:xfrm>
           <a:prstGeom prst="bentConnector3">
             <a:avLst>
-              <a:gd name="adj1" fmla="val -5320"/>
+              <a:gd name="adj1" fmla="val -3991"/>
             </a:avLst>
           </a:prstGeom>
           <a:ln w="25400">
@@ -3824,13 +3829,16 @@
       <p:cxnSp>
         <p:nvCxnSpPr>
           <p:cNvPr id="45" name="Straight Arrow Connector 44"/>
-          <p:cNvCxnSpPr/>
+          <p:cNvCxnSpPr>
+            <a:stCxn id="24" idx="2"/>
+            <a:endCxn id="22" idx="0"/>
+          </p:cNvCxnSpPr>
           <p:nvPr/>
         </p:nvCxnSpPr>
         <p:spPr>
-          <a:xfrm>
-            <a:off x="9341636" y="5029643"/>
-            <a:ext cx="521" cy="549655"/>
+          <a:xfrm flipH="1">
+            <a:off x="9423279" y="4731938"/>
+            <a:ext cx="15000" cy="318315"/>
           </a:xfrm>
           <a:prstGeom prst="straightConnector1">
             <a:avLst/>
@@ -3867,7 +3875,7 @@
         </p:nvSpPr>
         <p:spPr>
           <a:xfrm>
-            <a:off x="2950082" y="5338523"/>
+            <a:off x="2729647" y="4718041"/>
             <a:ext cx="1404262" cy="369332"/>
           </a:xfrm>
           <a:prstGeom prst="rect">
@@ -3905,7 +3913,7 @@
         </p:nvSpPr>
         <p:spPr>
           <a:xfrm>
-            <a:off x="2946356" y="5641199"/>
+            <a:off x="2725921" y="5020717"/>
             <a:ext cx="2222409" cy="369332"/>
           </a:xfrm>
           <a:prstGeom prst="rect">
@@ -3943,7 +3951,7 @@
         </p:nvSpPr>
         <p:spPr>
           <a:xfrm>
-            <a:off x="2946356" y="5918483"/>
+            <a:off x="2725921" y="5298001"/>
             <a:ext cx="1714215" cy="369332"/>
           </a:xfrm>
           <a:prstGeom prst="rect">
@@ -3981,7 +3989,7 @@
         </p:nvSpPr>
         <p:spPr>
           <a:xfrm>
-            <a:off x="2488444" y="5431506"/>
+            <a:off x="2268009" y="4811024"/>
             <a:ext cx="457912" cy="182880"/>
           </a:xfrm>
           <a:prstGeom prst="flowChartInputOutput">
@@ -4044,7 +4052,7 @@
         </p:nvSpPr>
         <p:spPr>
           <a:xfrm>
-            <a:off x="2468236" y="5737606"/>
+            <a:off x="2247801" y="5117124"/>
             <a:ext cx="457200" cy="182880"/>
           </a:xfrm>
           <a:prstGeom prst="roundRect">
@@ -4093,7 +4101,7 @@
         </p:nvSpPr>
         <p:spPr>
           <a:xfrm>
-            <a:off x="2468236" y="6034212"/>
+            <a:off x="2247801" y="5413730"/>
             <a:ext cx="457200" cy="182880"/>
           </a:xfrm>
           <a:prstGeom prst="flowChartTerminator">

--- a/151019 Artwork.pptx
+++ b/151019 Artwork.pptx
@@ -110,7 +110,7 @@
   </p:defaultTextStyle>
   <p:extLst>
     <p:ext uri="{EFAFB233-063F-42B5-8137-9DF3F51BA10A}">
-      <p15:sldGuideLst xmlns:p15="http://schemas.microsoft.com/office/powerpoint/2012/main">
+      <p15:sldGuideLst xmlns:p15="http://schemas.microsoft.com/office/powerpoint/2012/main" xmlns="">
         <p15:guide id="1" orient="horz" pos="2160" userDrawn="1">
           <p15:clr>
             <a:srgbClr val="A4A3A4"/>
@@ -258,7 +258,7 @@
           <a:p>
             <a:fld id="{F077C069-B739-4FEE-B1C2-9AE1A20352D7}" type="datetimeFigureOut">
               <a:rPr lang="zh-TW" altLang="en-US" smtClean="0"/>
-              <a:t>2017/1/10</a:t>
+              <a:t>2017/1/12</a:t>
             </a:fld>
             <a:endParaRPr lang="zh-TW" altLang="en-US"/>
           </a:p>
@@ -428,7 +428,7 @@
           <a:p>
             <a:fld id="{F077C069-B739-4FEE-B1C2-9AE1A20352D7}" type="datetimeFigureOut">
               <a:rPr lang="zh-TW" altLang="en-US" smtClean="0"/>
-              <a:t>2017/1/10</a:t>
+              <a:t>2017/1/12</a:t>
             </a:fld>
             <a:endParaRPr lang="zh-TW" altLang="en-US"/>
           </a:p>
@@ -608,7 +608,7 @@
           <a:p>
             <a:fld id="{F077C069-B739-4FEE-B1C2-9AE1A20352D7}" type="datetimeFigureOut">
               <a:rPr lang="zh-TW" altLang="en-US" smtClean="0"/>
-              <a:t>2017/1/10</a:t>
+              <a:t>2017/1/12</a:t>
             </a:fld>
             <a:endParaRPr lang="zh-TW" altLang="en-US"/>
           </a:p>
@@ -778,7 +778,7 @@
           <a:p>
             <a:fld id="{F077C069-B739-4FEE-B1C2-9AE1A20352D7}" type="datetimeFigureOut">
               <a:rPr lang="zh-TW" altLang="en-US" smtClean="0"/>
-              <a:t>2017/1/10</a:t>
+              <a:t>2017/1/12</a:t>
             </a:fld>
             <a:endParaRPr lang="zh-TW" altLang="en-US"/>
           </a:p>
@@ -1024,7 +1024,7 @@
           <a:p>
             <a:fld id="{F077C069-B739-4FEE-B1C2-9AE1A20352D7}" type="datetimeFigureOut">
               <a:rPr lang="zh-TW" altLang="en-US" smtClean="0"/>
-              <a:t>2017/1/10</a:t>
+              <a:t>2017/1/12</a:t>
             </a:fld>
             <a:endParaRPr lang="zh-TW" altLang="en-US"/>
           </a:p>
@@ -1256,7 +1256,7 @@
           <a:p>
             <a:fld id="{F077C069-B739-4FEE-B1C2-9AE1A20352D7}" type="datetimeFigureOut">
               <a:rPr lang="zh-TW" altLang="en-US" smtClean="0"/>
-              <a:t>2017/1/10</a:t>
+              <a:t>2017/1/12</a:t>
             </a:fld>
             <a:endParaRPr lang="zh-TW" altLang="en-US"/>
           </a:p>
@@ -1623,7 +1623,7 @@
           <a:p>
             <a:fld id="{F077C069-B739-4FEE-B1C2-9AE1A20352D7}" type="datetimeFigureOut">
               <a:rPr lang="zh-TW" altLang="en-US" smtClean="0"/>
-              <a:t>2017/1/10</a:t>
+              <a:t>2017/1/12</a:t>
             </a:fld>
             <a:endParaRPr lang="zh-TW" altLang="en-US"/>
           </a:p>
@@ -1741,7 +1741,7 @@
           <a:p>
             <a:fld id="{F077C069-B739-4FEE-B1C2-9AE1A20352D7}" type="datetimeFigureOut">
               <a:rPr lang="zh-TW" altLang="en-US" smtClean="0"/>
-              <a:t>2017/1/10</a:t>
+              <a:t>2017/1/12</a:t>
             </a:fld>
             <a:endParaRPr lang="zh-TW" altLang="en-US"/>
           </a:p>
@@ -1836,7 +1836,7 @@
           <a:p>
             <a:fld id="{F077C069-B739-4FEE-B1C2-9AE1A20352D7}" type="datetimeFigureOut">
               <a:rPr lang="zh-TW" altLang="en-US" smtClean="0"/>
-              <a:t>2017/1/10</a:t>
+              <a:t>2017/1/12</a:t>
             </a:fld>
             <a:endParaRPr lang="zh-TW" altLang="en-US"/>
           </a:p>
@@ -2113,7 +2113,7 @@
           <a:p>
             <a:fld id="{F077C069-B739-4FEE-B1C2-9AE1A20352D7}" type="datetimeFigureOut">
               <a:rPr lang="zh-TW" altLang="en-US" smtClean="0"/>
-              <a:t>2017/1/10</a:t>
+              <a:t>2017/1/12</a:t>
             </a:fld>
             <a:endParaRPr lang="zh-TW" altLang="en-US"/>
           </a:p>
@@ -2366,7 +2366,7 @@
           <a:p>
             <a:fld id="{F077C069-B739-4FEE-B1C2-9AE1A20352D7}" type="datetimeFigureOut">
               <a:rPr lang="zh-TW" altLang="en-US" smtClean="0"/>
-              <a:t>2017/1/10</a:t>
+              <a:t>2017/1/12</a:t>
             </a:fld>
             <a:endParaRPr lang="zh-TW" altLang="en-US"/>
           </a:p>
@@ -2579,7 +2579,7 @@
           <a:p>
             <a:fld id="{F077C069-B739-4FEE-B1C2-9AE1A20352D7}" type="datetimeFigureOut">
               <a:rPr lang="zh-TW" altLang="en-US" smtClean="0"/>
-              <a:t>2017/1/10</a:t>
+              <a:t>2017/1/12</a:t>
             </a:fld>
             <a:endParaRPr lang="zh-TW" altLang="en-US"/>
           </a:p>
@@ -2986,14 +2986,74 @@
       </p:grpSpPr>
       <p:sp>
         <p:nvSpPr>
+          <p:cNvPr id="41" name="Flowchart: Data 40"/>
+          <p:cNvSpPr/>
+          <p:nvPr/>
+        </p:nvSpPr>
+        <p:spPr>
+          <a:xfrm>
+            <a:off x="3988434" y="444500"/>
+            <a:ext cx="4326529" cy="732791"/>
+          </a:xfrm>
+          <a:prstGeom prst="flowChartInputOutput">
+            <a:avLst/>
+          </a:prstGeom>
+        </p:spPr>
+        <p:style>
+          <a:lnRef idx="2">
+            <a:schemeClr val="accent5">
+              <a:shade val="50000"/>
+            </a:schemeClr>
+          </a:lnRef>
+          <a:fillRef idx="1">
+            <a:schemeClr val="accent5"/>
+          </a:fillRef>
+          <a:effectRef idx="0">
+            <a:schemeClr val="accent5"/>
+          </a:effectRef>
+          <a:fontRef idx="minor">
+            <a:schemeClr val="lt1"/>
+          </a:fontRef>
+        </p:style>
+        <p:txBody>
+          <a:bodyPr rot="0" spcFirstLastPara="0" vert="horz" wrap="square" lIns="91440" tIns="45720" rIns="91440" bIns="45720" numCol="1" spcCol="0" rtlCol="0" fromWordArt="0" anchor="ctr" anchorCtr="0" forceAA="0" compatLnSpc="1">
+            <a:prstTxWarp prst="textNoShape">
+              <a:avLst/>
+            </a:prstTxWarp>
+            <a:noAutofit/>
+          </a:bodyPr>
+          <a:lstStyle/>
+          <a:p>
+            <a:pPr marL="0" marR="0" algn="ctr">
+              <a:spcBef>
+                <a:spcPts val="0"/>
+              </a:spcBef>
+              <a:spcAft>
+                <a:spcPts val="0"/>
+              </a:spcAft>
+            </a:pPr>
+            <a:endParaRPr lang="en-US" sz="2400" dirty="0">
+              <a:solidFill>
+                <a:srgbClr val="00000A"/>
+              </a:solidFill>
+              <a:effectLst/>
+              <a:latin typeface="Liberation Serif"/>
+              <a:ea typeface="PMingLiU" panose="02020500000000000000" pitchFamily="18" charset="-120"/>
+              <a:cs typeface="Mangal" panose="02040503050203030202" pitchFamily="18" charset="0"/>
+            </a:endParaRPr>
+          </a:p>
+        </p:txBody>
+      </p:sp>
+      <p:sp>
+        <p:nvSpPr>
           <p:cNvPr id="24" name="Rectangle 23"/>
           <p:cNvSpPr/>
           <p:nvPr/>
         </p:nvSpPr>
         <p:spPr>
           <a:xfrm>
-            <a:off x="7938864" y="1834734"/>
-            <a:ext cx="2998829" cy="2897204"/>
+            <a:off x="7837265" y="2063334"/>
+            <a:ext cx="3834036" cy="3334166"/>
           </a:xfrm>
           <a:prstGeom prst="rect">
             <a:avLst/>
@@ -3045,8 +3105,8 @@
         </p:blipFill>
         <p:spPr bwMode="auto">
           <a:xfrm>
-            <a:off x="8189111" y="2073873"/>
-            <a:ext cx="2305050" cy="2567940"/>
+            <a:off x="8344216" y="2267023"/>
+            <a:ext cx="2886437" cy="3074515"/>
           </a:xfrm>
           <a:prstGeom prst="rect">
             <a:avLst/>
@@ -3068,8 +3128,8 @@
         </p:nvSpPr>
         <p:spPr>
           <a:xfrm>
-            <a:off x="2220958" y="1923783"/>
-            <a:ext cx="3681822" cy="410845"/>
+            <a:off x="2245450" y="2526890"/>
+            <a:ext cx="3681822" cy="743217"/>
           </a:xfrm>
           <a:prstGeom prst="roundRect">
             <a:avLst/>
@@ -3093,7 +3153,7 @@
           <a:bodyPr wrap="square" rtlCol="0" anchor="ctr"/>
           <a:lstStyle/>
           <a:p>
-            <a:pPr marL="0" marR="0">
+            <a:pPr marL="0" marR="0" algn="ctr">
               <a:spcBef>
                 <a:spcPts val="0"/>
               </a:spcBef>
@@ -3102,7 +3162,7 @@
               </a:spcAft>
             </a:pPr>
             <a:r>
-              <a:rPr lang="en-US" sz="1400" b="1" i="1" kern="1200" dirty="0" err="1">
+              <a:rPr lang="en-US" sz="2400" b="1" i="1" kern="1200" dirty="0" err="1">
                 <a:solidFill>
                   <a:srgbClr val="FFFFFF"/>
                 </a:solidFill>
@@ -3113,7 +3173,7 @@
               <a:t>Imidacloprid</a:t>
             </a:r>
             <a:r>
-              <a:rPr lang="en-US" sz="1400" b="1" i="1" kern="1200" dirty="0">
+              <a:rPr lang="en-US" sz="2400" b="1" i="1" kern="1200" dirty="0">
                 <a:solidFill>
                   <a:srgbClr val="FFFFFF"/>
                 </a:solidFill>
@@ -3123,7 +3183,7 @@
               </a:rPr>
               <a:t> exposure dose and mortality rate</a:t>
             </a:r>
-            <a:endParaRPr lang="en-US" sz="1400" dirty="0">
+            <a:endParaRPr lang="en-US" sz="2400" dirty="0">
               <a:effectLst/>
               <a:latin typeface="Times New Roman" panose="02020603050405020304" pitchFamily="18" charset="0"/>
               <a:ea typeface="PMingLiU" panose="02020500000000000000" pitchFamily="18" charset="-120"/>
@@ -3133,14 +3193,94 @@
       </p:sp>
       <p:sp>
         <p:nvSpPr>
-          <p:cNvPr id="4" name="Flowchart: Data 3"/>
+          <p:cNvPr id="6" name="Flowchart: Terminator 5"/>
           <p:cNvSpPr/>
           <p:nvPr/>
         </p:nvSpPr>
         <p:spPr>
           <a:xfrm>
-            <a:off x="4354344" y="722631"/>
-            <a:ext cx="3230095" cy="607060"/>
+            <a:off x="1435100" y="3743498"/>
+            <a:ext cx="5461000" cy="1051940"/>
+          </a:xfrm>
+          <a:prstGeom prst="flowChartTerminator">
+            <a:avLst/>
+          </a:prstGeom>
+        </p:spPr>
+        <p:style>
+          <a:lnRef idx="1">
+            <a:schemeClr val="accent2"/>
+          </a:lnRef>
+          <a:fillRef idx="3">
+            <a:schemeClr val="accent2"/>
+          </a:fillRef>
+          <a:effectRef idx="2">
+            <a:schemeClr val="accent2"/>
+          </a:effectRef>
+          <a:fontRef idx="minor">
+            <a:schemeClr val="lt1"/>
+          </a:fontRef>
+        </p:style>
+        <p:txBody>
+          <a:bodyPr rot="0" spcFirstLastPara="0" vert="horz" wrap="square" lIns="91440" tIns="45720" rIns="91440" bIns="45720" numCol="1" spcCol="0" rtlCol="0" fromWordArt="0" anchor="ctr" anchorCtr="0" forceAA="0" compatLnSpc="1">
+            <a:prstTxWarp prst="textNoShape">
+              <a:avLst/>
+            </a:prstTxWarp>
+            <a:noAutofit/>
+          </a:bodyPr>
+          <a:lstStyle/>
+          <a:p>
+            <a:pPr marL="0" marR="0" algn="ctr">
+              <a:spcBef>
+                <a:spcPts val="0"/>
+              </a:spcBef>
+              <a:spcAft>
+                <a:spcPts val="0"/>
+              </a:spcAft>
+            </a:pPr>
+            <a:r>
+              <a:rPr lang="en-US" sz="2400" b="1" i="1" kern="1200" dirty="0" err="1">
+                <a:solidFill>
+                  <a:srgbClr val="FFFFFF"/>
+                </a:solidFill>
+                <a:effectLst/>
+                <a:ea typeface="PMingLiU" panose="02020500000000000000" pitchFamily="18" charset="-120"/>
+                <a:cs typeface="Times New Roman" panose="02020603050405020304" pitchFamily="18" charset="0"/>
+              </a:rPr>
+              <a:t>Imidacloprid</a:t>
+            </a:r>
+            <a:r>
+              <a:rPr lang="en-US" sz="2400" b="1" i="1" kern="1200" dirty="0">
+                <a:solidFill>
+                  <a:srgbClr val="FFFFFF"/>
+                </a:solidFill>
+                <a:effectLst/>
+                <a:ea typeface="PMingLiU" panose="02020500000000000000" pitchFamily="18" charset="-120"/>
+                <a:cs typeface="Times New Roman" panose="02020603050405020304" pitchFamily="18" charset="0"/>
+              </a:rPr>
+              <a:t>-induced mortality risk in short (10 day) and mid (30 day) term</a:t>
+            </a:r>
+            <a:endParaRPr lang="en-US" sz="2400" dirty="0">
+              <a:solidFill>
+                <a:srgbClr val="00000A"/>
+              </a:solidFill>
+              <a:effectLst/>
+              <a:latin typeface="Liberation Serif"/>
+              <a:ea typeface="PMingLiU" panose="02020500000000000000" pitchFamily="18" charset="-120"/>
+              <a:cs typeface="Mangal" panose="02040503050203030202" pitchFamily="18" charset="0"/>
+            </a:endParaRPr>
+          </a:p>
+        </p:txBody>
+      </p:sp>
+      <p:sp>
+        <p:nvSpPr>
+          <p:cNvPr id="7" name="Flowchart: Data 6"/>
+          <p:cNvSpPr/>
+          <p:nvPr/>
+        </p:nvSpPr>
+        <p:spPr>
+          <a:xfrm>
+            <a:off x="7687671" y="431800"/>
+            <a:ext cx="4326529" cy="732791"/>
           </a:xfrm>
           <a:prstGeom prst="flowChartInputOutput">
             <a:avLst/>
@@ -3179,29 +3319,7 @@
                 <a:spcPts val="0"/>
               </a:spcAft>
             </a:pPr>
-            <a:r>
-              <a:rPr lang="en-US" sz="1400" b="1" i="1" kern="1200" dirty="0">
-                <a:solidFill>
-                  <a:srgbClr val="FFFFFF"/>
-                </a:solidFill>
-                <a:effectLst/>
-                <a:ea typeface="PMingLiU" panose="02020500000000000000" pitchFamily="18" charset="-120"/>
-                <a:cs typeface="Times New Roman" panose="02020603050405020304" pitchFamily="18" charset="0"/>
-              </a:rPr>
-              <a:t>Environmental pesticides </a:t>
-            </a:r>
-            <a:r>
-              <a:rPr lang="en-US" sz="1400" b="1" i="1" kern="1200" dirty="0" smtClean="0">
-                <a:solidFill>
-                  <a:srgbClr val="FFFFFF"/>
-                </a:solidFill>
-                <a:effectLst/>
-                <a:ea typeface="PMingLiU" panose="02020500000000000000" pitchFamily="18" charset="-120"/>
-                <a:cs typeface="Times New Roman" panose="02020603050405020304" pitchFamily="18" charset="0"/>
-              </a:rPr>
-              <a:t>investigation</a:t>
-            </a:r>
-            <a:endParaRPr lang="en-US" sz="1400" dirty="0">
+            <a:endParaRPr lang="en-US" sz="2400" dirty="0">
               <a:solidFill>
                 <a:srgbClr val="00000A"/>
               </a:solidFill>
@@ -3215,441 +3333,14 @@
       </p:sp>
       <p:sp>
         <p:nvSpPr>
-          <p:cNvPr id="5" name="Flowchart: Data 4"/>
-          <p:cNvSpPr/>
-          <p:nvPr/>
-        </p:nvSpPr>
-        <p:spPr>
-          <a:xfrm>
-            <a:off x="2500006" y="724853"/>
-            <a:ext cx="2012950" cy="607060"/>
-          </a:xfrm>
-          <a:prstGeom prst="flowChartInputOutput">
-            <a:avLst/>
-          </a:prstGeom>
-        </p:spPr>
-        <p:style>
-          <a:lnRef idx="2">
-            <a:schemeClr val="accent5">
-              <a:shade val="50000"/>
-            </a:schemeClr>
-          </a:lnRef>
-          <a:fillRef idx="1">
-            <a:schemeClr val="accent5"/>
-          </a:fillRef>
-          <a:effectRef idx="0">
-            <a:schemeClr val="accent5"/>
-          </a:effectRef>
-          <a:fontRef idx="minor">
-            <a:schemeClr val="lt1"/>
-          </a:fontRef>
-        </p:style>
-        <p:txBody>
-          <a:bodyPr rot="0" spcFirstLastPara="0" vert="horz" wrap="square" lIns="91440" tIns="45720" rIns="91440" bIns="45720" numCol="1" spcCol="0" rtlCol="0" fromWordArt="0" anchor="ctr" anchorCtr="0" forceAA="0" compatLnSpc="1">
-            <a:prstTxWarp prst="textNoShape">
-              <a:avLst/>
-            </a:prstTxWarp>
-            <a:noAutofit/>
-          </a:bodyPr>
-          <a:lstStyle/>
-          <a:p>
-            <a:pPr marL="0" marR="0" algn="ctr">
-              <a:spcBef>
-                <a:spcPts val="0"/>
-              </a:spcBef>
-              <a:spcAft>
-                <a:spcPts val="0"/>
-              </a:spcAft>
-            </a:pPr>
-            <a:r>
-              <a:rPr lang="en-US" sz="1400" b="1" i="1" kern="1200" dirty="0">
-                <a:solidFill>
-                  <a:srgbClr val="FFFFFF"/>
-                </a:solidFill>
-                <a:effectLst/>
-                <a:ea typeface="PMingLiU" panose="02020500000000000000" pitchFamily="18" charset="-120"/>
-                <a:cs typeface="Times New Roman" panose="02020603050405020304" pitchFamily="18" charset="0"/>
-              </a:rPr>
-              <a:t>Experimental bioassay </a:t>
-            </a:r>
-            <a:endParaRPr lang="en-US" sz="1400" dirty="0">
-              <a:solidFill>
-                <a:srgbClr val="00000A"/>
-              </a:solidFill>
-              <a:effectLst/>
-              <a:latin typeface="Liberation Serif"/>
-              <a:ea typeface="PMingLiU" panose="02020500000000000000" pitchFamily="18" charset="-120"/>
-              <a:cs typeface="Mangal" panose="02040503050203030202" pitchFamily="18" charset="0"/>
-            </a:endParaRPr>
-          </a:p>
-        </p:txBody>
-      </p:sp>
-      <p:sp>
-        <p:nvSpPr>
-          <p:cNvPr id="6" name="Flowchart: Terminator 5"/>
-          <p:cNvSpPr/>
-          <p:nvPr/>
-        </p:nvSpPr>
-        <p:spPr>
-          <a:xfrm>
-            <a:off x="2529412" y="3270107"/>
-            <a:ext cx="3397860" cy="743585"/>
-          </a:xfrm>
-          <a:prstGeom prst="flowChartTerminator">
-            <a:avLst/>
-          </a:prstGeom>
-        </p:spPr>
-        <p:style>
-          <a:lnRef idx="1">
-            <a:schemeClr val="accent2"/>
-          </a:lnRef>
-          <a:fillRef idx="3">
-            <a:schemeClr val="accent2"/>
-          </a:fillRef>
-          <a:effectRef idx="2">
-            <a:schemeClr val="accent2"/>
-          </a:effectRef>
-          <a:fontRef idx="minor">
-            <a:schemeClr val="lt1"/>
-          </a:fontRef>
-        </p:style>
-        <p:txBody>
-          <a:bodyPr rot="0" spcFirstLastPara="0" vert="horz" wrap="square" lIns="91440" tIns="45720" rIns="91440" bIns="45720" numCol="1" spcCol="0" rtlCol="0" fromWordArt="0" anchor="ctr" anchorCtr="0" forceAA="0" compatLnSpc="1">
-            <a:prstTxWarp prst="textNoShape">
-              <a:avLst/>
-            </a:prstTxWarp>
-            <a:noAutofit/>
-          </a:bodyPr>
-          <a:lstStyle/>
-          <a:p>
-            <a:pPr marL="0" marR="0" algn="ctr">
-              <a:spcBef>
-                <a:spcPts val="0"/>
-              </a:spcBef>
-              <a:spcAft>
-                <a:spcPts val="0"/>
-              </a:spcAft>
-            </a:pPr>
-            <a:r>
-              <a:rPr lang="en-US" sz="1400" b="1" i="1" kern="1200" dirty="0" err="1">
-                <a:solidFill>
-                  <a:srgbClr val="FFFFFF"/>
-                </a:solidFill>
-                <a:effectLst/>
-                <a:ea typeface="PMingLiU" panose="02020500000000000000" pitchFamily="18" charset="-120"/>
-                <a:cs typeface="Times New Roman" panose="02020603050405020304" pitchFamily="18" charset="0"/>
-              </a:rPr>
-              <a:t>Imidacloprid</a:t>
-            </a:r>
-            <a:r>
-              <a:rPr lang="en-US" sz="1400" b="1" i="1" kern="1200" dirty="0">
-                <a:solidFill>
-                  <a:srgbClr val="FFFFFF"/>
-                </a:solidFill>
-                <a:effectLst/>
-                <a:ea typeface="PMingLiU" panose="02020500000000000000" pitchFamily="18" charset="-120"/>
-                <a:cs typeface="Times New Roman" panose="02020603050405020304" pitchFamily="18" charset="0"/>
-              </a:rPr>
-              <a:t>-induced mortality risk in short (10 day) and mid (30 day) term</a:t>
-            </a:r>
-            <a:endParaRPr lang="en-US" sz="1400" dirty="0">
-              <a:solidFill>
-                <a:srgbClr val="00000A"/>
-              </a:solidFill>
-              <a:effectLst/>
-              <a:latin typeface="Liberation Serif"/>
-              <a:ea typeface="PMingLiU" panose="02020500000000000000" pitchFamily="18" charset="-120"/>
-              <a:cs typeface="Mangal" panose="02040503050203030202" pitchFamily="18" charset="0"/>
-            </a:endParaRPr>
-          </a:p>
-        </p:txBody>
-      </p:sp>
-      <p:sp>
-        <p:nvSpPr>
-          <p:cNvPr id="7" name="Flowchart: Data 6"/>
-          <p:cNvSpPr/>
-          <p:nvPr/>
-        </p:nvSpPr>
-        <p:spPr>
-          <a:xfrm>
-            <a:off x="7865471" y="722631"/>
-            <a:ext cx="3113043" cy="607060"/>
-          </a:xfrm>
-          <a:prstGeom prst="flowChartInputOutput">
-            <a:avLst/>
-          </a:prstGeom>
-        </p:spPr>
-        <p:style>
-          <a:lnRef idx="2">
-            <a:schemeClr val="accent5">
-              <a:shade val="50000"/>
-            </a:schemeClr>
-          </a:lnRef>
-          <a:fillRef idx="1">
-            <a:schemeClr val="accent5"/>
-          </a:fillRef>
-          <a:effectRef idx="0">
-            <a:schemeClr val="accent5"/>
-          </a:effectRef>
-          <a:fontRef idx="minor">
-            <a:schemeClr val="lt1"/>
-          </a:fontRef>
-        </p:style>
-        <p:txBody>
-          <a:bodyPr rot="0" spcFirstLastPara="0" vert="horz" wrap="square" lIns="91440" tIns="45720" rIns="91440" bIns="45720" numCol="1" spcCol="0" rtlCol="0" fromWordArt="0" anchor="ctr" anchorCtr="0" forceAA="0" compatLnSpc="1">
-            <a:prstTxWarp prst="textNoShape">
-              <a:avLst/>
-            </a:prstTxWarp>
-            <a:noAutofit/>
-          </a:bodyPr>
-          <a:lstStyle/>
-          <a:p>
-            <a:pPr marL="0" marR="0" algn="ctr">
-              <a:spcBef>
-                <a:spcPts val="0"/>
-              </a:spcBef>
-              <a:spcAft>
-                <a:spcPts val="0"/>
-              </a:spcAft>
-            </a:pPr>
-            <a:r>
-              <a:rPr lang="en-US" sz="1400" b="1" i="1" kern="1200" dirty="0" smtClean="0">
-                <a:solidFill>
-                  <a:srgbClr val="FFFFFF"/>
-                </a:solidFill>
-                <a:effectLst/>
-                <a:ea typeface="PMingLiU" panose="02020500000000000000" pitchFamily="18" charset="-120"/>
-                <a:cs typeface="Times New Roman" panose="02020603050405020304" pitchFamily="18" charset="0"/>
-              </a:rPr>
-              <a:t>Seasonality of </a:t>
-            </a:r>
-            <a:r>
-              <a:rPr lang="en-US" sz="1400" b="1" i="1" dirty="0">
-                <a:solidFill>
-                  <a:srgbClr val="FFFFFF"/>
-                </a:solidFill>
-                <a:ea typeface="PMingLiU" panose="02020500000000000000" pitchFamily="18" charset="-120"/>
-                <a:cs typeface="Times New Roman" panose="02020603050405020304" pitchFamily="18" charset="0"/>
-              </a:rPr>
-              <a:t> </a:t>
-            </a:r>
-            <a:r>
-              <a:rPr lang="en-US" sz="1400" b="1" i="1" dirty="0" smtClean="0">
-                <a:solidFill>
-                  <a:srgbClr val="FFFFFF"/>
-                </a:solidFill>
-                <a:ea typeface="PMingLiU" panose="02020500000000000000" pitchFamily="18" charset="-120"/>
-                <a:cs typeface="Times New Roman" panose="02020603050405020304" pitchFamily="18" charset="0"/>
-              </a:rPr>
-              <a:t>Parameter Rate </a:t>
-            </a:r>
-            <a:r>
-              <a:rPr lang="en-US" sz="1400" b="1" i="1" dirty="0">
-                <a:solidFill>
-                  <a:srgbClr val="FFFFFF"/>
-                </a:solidFill>
-                <a:ea typeface="PMingLiU" panose="02020500000000000000" pitchFamily="18" charset="-120"/>
-                <a:cs typeface="Times New Roman" panose="02020603050405020304" pitchFamily="18" charset="0"/>
-              </a:rPr>
-              <a:t>R</a:t>
-            </a:r>
-            <a:r>
-              <a:rPr lang="en-US" sz="1400" b="1" i="1" dirty="0" smtClean="0">
-                <a:solidFill>
-                  <a:srgbClr val="FFFFFF"/>
-                </a:solidFill>
-                <a:ea typeface="PMingLiU" panose="02020500000000000000" pitchFamily="18" charset="-120"/>
-                <a:cs typeface="Times New Roman" panose="02020603050405020304" pitchFamily="18" charset="0"/>
-              </a:rPr>
-              <a:t>atios</a:t>
-            </a:r>
-            <a:endParaRPr lang="en-US" sz="1400" dirty="0">
-              <a:solidFill>
-                <a:srgbClr val="00000A"/>
-              </a:solidFill>
-              <a:effectLst/>
-              <a:latin typeface="Liberation Serif"/>
-              <a:ea typeface="PMingLiU" panose="02020500000000000000" pitchFamily="18" charset="-120"/>
-              <a:cs typeface="Mangal" panose="02040503050203030202" pitchFamily="18" charset="0"/>
-            </a:endParaRPr>
-          </a:p>
-        </p:txBody>
-      </p:sp>
-      <p:cxnSp>
-        <p:nvCxnSpPr>
-          <p:cNvPr id="9" name="Straight Arrow Connector 8"/>
-          <p:cNvCxnSpPr>
-            <a:stCxn id="5" idx="4"/>
-          </p:cNvCxnSpPr>
-          <p:nvPr/>
-        </p:nvCxnSpPr>
-        <p:spPr>
-          <a:xfrm>
-            <a:off x="3506481" y="1331913"/>
-            <a:ext cx="6923" cy="586664"/>
-          </a:xfrm>
-          <a:prstGeom prst="straightConnector1">
-            <a:avLst/>
-          </a:prstGeom>
-          <a:ln w="25400">
-            <a:tailEnd type="triangle"/>
-          </a:ln>
-        </p:spPr>
-        <p:style>
-          <a:lnRef idx="3">
-            <a:schemeClr val="accent4"/>
-          </a:lnRef>
-          <a:fillRef idx="0">
-            <a:schemeClr val="accent4"/>
-          </a:fillRef>
-          <a:effectRef idx="2">
-            <a:schemeClr val="accent4"/>
-          </a:effectRef>
-          <a:fontRef idx="minor">
-            <a:schemeClr val="tx1"/>
-          </a:fontRef>
-        </p:style>
-      </p:cxnSp>
-      <p:cxnSp>
-        <p:nvCxnSpPr>
-          <p:cNvPr id="11" name="Straight Arrow Connector 10"/>
-          <p:cNvCxnSpPr/>
-          <p:nvPr/>
-        </p:nvCxnSpPr>
-        <p:spPr>
-          <a:xfrm flipH="1">
-            <a:off x="4217034" y="2364290"/>
-            <a:ext cx="0" cy="893944"/>
-          </a:xfrm>
-          <a:prstGeom prst="straightConnector1">
-            <a:avLst/>
-          </a:prstGeom>
-          <a:ln w="25400">
-            <a:tailEnd type="triangle"/>
-          </a:ln>
-        </p:spPr>
-        <p:style>
-          <a:lnRef idx="3">
-            <a:schemeClr val="accent4"/>
-          </a:lnRef>
-          <a:fillRef idx="0">
-            <a:schemeClr val="accent4"/>
-          </a:fillRef>
-          <a:effectRef idx="2">
-            <a:schemeClr val="accent4"/>
-          </a:effectRef>
-          <a:fontRef idx="minor">
-            <a:schemeClr val="tx1"/>
-          </a:fontRef>
-        </p:style>
-      </p:cxnSp>
-      <p:cxnSp>
-        <p:nvCxnSpPr>
-          <p:cNvPr id="13" name="Elbow Connector 12"/>
-          <p:cNvCxnSpPr>
-            <a:stCxn id="4" idx="4"/>
-          </p:cNvCxnSpPr>
-          <p:nvPr/>
-        </p:nvCxnSpPr>
-        <p:spPr>
-          <a:xfrm rot="5400000">
-            <a:off x="4328683" y="1239490"/>
-            <a:ext cx="1550508" cy="1730910"/>
-          </a:xfrm>
-          <a:prstGeom prst="bentConnector2">
-            <a:avLst/>
-          </a:prstGeom>
-          <a:ln w="25400">
-            <a:tailEnd type="triangle"/>
-          </a:ln>
-        </p:spPr>
-        <p:style>
-          <a:lnRef idx="3">
-            <a:schemeClr val="accent4"/>
-          </a:lnRef>
-          <a:fillRef idx="0">
-            <a:schemeClr val="accent4"/>
-          </a:fillRef>
-          <a:effectRef idx="2">
-            <a:schemeClr val="accent4"/>
-          </a:effectRef>
-          <a:fontRef idx="minor">
-            <a:schemeClr val="tx1"/>
-          </a:fontRef>
-        </p:style>
-      </p:cxnSp>
-      <p:sp>
-        <p:nvSpPr>
-          <p:cNvPr id="22" name="Flowchart: Terminator 21"/>
-          <p:cNvSpPr/>
-          <p:nvPr/>
-        </p:nvSpPr>
-        <p:spPr>
-          <a:xfrm>
-            <a:off x="7898925" y="5050253"/>
-            <a:ext cx="3048708" cy="743585"/>
-          </a:xfrm>
-          <a:prstGeom prst="flowChartTerminator">
-            <a:avLst/>
-          </a:prstGeom>
-        </p:spPr>
-        <p:style>
-          <a:lnRef idx="1">
-            <a:schemeClr val="accent2"/>
-          </a:lnRef>
-          <a:fillRef idx="3">
-            <a:schemeClr val="accent2"/>
-          </a:fillRef>
-          <a:effectRef idx="2">
-            <a:schemeClr val="accent2"/>
-          </a:effectRef>
-          <a:fontRef idx="minor">
-            <a:schemeClr val="lt1"/>
-          </a:fontRef>
-        </p:style>
-        <p:txBody>
-          <a:bodyPr rot="0" spcFirstLastPara="0" vert="horz" wrap="square" lIns="91440" tIns="45720" rIns="91440" bIns="45720" numCol="1" spcCol="0" rtlCol="0" fromWordArt="0" anchor="ctr" anchorCtr="0" forceAA="0" compatLnSpc="1">
-            <a:prstTxWarp prst="textNoShape">
-              <a:avLst/>
-            </a:prstTxWarp>
-            <a:noAutofit/>
-          </a:bodyPr>
-          <a:lstStyle/>
-          <a:p>
-            <a:pPr algn="ctr"/>
-            <a:r>
-              <a:rPr lang="en-US" sz="1400" b="1" i="1" dirty="0" err="1">
-                <a:solidFill>
-                  <a:srgbClr val="FFFFFF"/>
-                </a:solidFill>
-                <a:ea typeface="PMingLiU" panose="02020500000000000000" pitchFamily="18" charset="-120"/>
-                <a:cs typeface="Times New Roman" panose="02020603050405020304" pitchFamily="18" charset="0"/>
-              </a:rPr>
-              <a:t>Imidacloprid</a:t>
-            </a:r>
-            <a:r>
-              <a:rPr lang="en-US" sz="1400" b="1" i="1" dirty="0">
-                <a:solidFill>
-                  <a:srgbClr val="FFFFFF"/>
-                </a:solidFill>
-                <a:ea typeface="PMingLiU" panose="02020500000000000000" pitchFamily="18" charset="-120"/>
-                <a:cs typeface="Times New Roman" panose="02020603050405020304" pitchFamily="18" charset="0"/>
-              </a:rPr>
-              <a:t>-induced population extinction risk in long term period</a:t>
-            </a:r>
-          </a:p>
-        </p:txBody>
-      </p:sp>
-      <p:sp>
-        <p:nvSpPr>
           <p:cNvPr id="23" name="Rounded Rectangle 22"/>
           <p:cNvSpPr/>
           <p:nvPr/>
         </p:nvSpPr>
         <p:spPr>
           <a:xfrm>
-            <a:off x="8079812" y="1577272"/>
-            <a:ext cx="2680042" cy="410845"/>
+            <a:off x="7965512" y="1583206"/>
+            <a:ext cx="3540688" cy="690094"/>
           </a:xfrm>
           <a:prstGeom prst="roundRect">
             <a:avLst/>
@@ -3673,7 +3364,7 @@
           <a:bodyPr wrap="square" rtlCol="0" anchor="ctr"/>
           <a:lstStyle/>
           <a:p>
-            <a:pPr marL="0" marR="0">
+            <a:pPr marL="0" marR="0" algn="ctr">
               <a:spcBef>
                 <a:spcPts val="0"/>
               </a:spcBef>
@@ -3682,7 +3373,7 @@
               </a:spcAft>
             </a:pPr>
             <a:r>
-              <a:rPr lang="en-US" sz="1400" b="1" i="1" kern="1200" dirty="0" smtClean="0">
+              <a:rPr lang="en-US" sz="2400" b="1" i="1" kern="1200" dirty="0" smtClean="0">
                 <a:solidFill>
                   <a:srgbClr val="FFFFFF"/>
                 </a:solidFill>
@@ -3692,7 +3383,7 @@
               </a:rPr>
               <a:t>Bee colony population dynamics</a:t>
             </a:r>
-            <a:endParaRPr lang="en-US" sz="1400" dirty="0">
+            <a:endParaRPr lang="en-US" sz="2400" dirty="0">
               <a:effectLst/>
               <a:latin typeface="Times New Roman" panose="02020603050405020304" pitchFamily="18" charset="0"/>
               <a:ea typeface="PMingLiU" panose="02020500000000000000" pitchFamily="18" charset="-120"/>
@@ -3703,21 +3394,18 @@
       <p:cxnSp>
         <p:nvCxnSpPr>
           <p:cNvPr id="25" name="Straight Arrow Connector 24"/>
-          <p:cNvCxnSpPr>
-            <a:stCxn id="7" idx="4"/>
-            <a:endCxn id="23" idx="0"/>
-          </p:cNvCxnSpPr>
+          <p:cNvCxnSpPr/>
           <p:nvPr/>
         </p:nvCxnSpPr>
         <p:spPr>
           <a:xfrm flipH="1">
-            <a:off x="9419833" y="1329691"/>
-            <a:ext cx="2160" cy="247581"/>
+            <a:off x="9735856" y="1228090"/>
+            <a:ext cx="780" cy="288000"/>
           </a:xfrm>
           <a:prstGeom prst="straightConnector1">
             <a:avLst/>
           </a:prstGeom>
-          <a:ln w="25400">
+          <a:ln w="38100">
             <a:solidFill>
               <a:schemeClr val="accent2">
                 <a:lumMod val="75000"/>
@@ -3741,132 +3429,6 @@
           </a:fontRef>
         </p:style>
       </p:cxnSp>
-      <p:cxnSp>
-        <p:nvCxnSpPr>
-          <p:cNvPr id="28" name="Elbow Connector 27"/>
-          <p:cNvCxnSpPr>
-            <a:stCxn id="4" idx="5"/>
-            <a:endCxn id="24" idx="1"/>
-          </p:cNvCxnSpPr>
-          <p:nvPr/>
-        </p:nvCxnSpPr>
-        <p:spPr>
-          <a:xfrm>
-            <a:off x="7261430" y="1026161"/>
-            <a:ext cx="677434" cy="2257175"/>
-          </a:xfrm>
-          <a:prstGeom prst="bentConnector3">
-            <a:avLst>
-              <a:gd name="adj1" fmla="val 50000"/>
-            </a:avLst>
-          </a:prstGeom>
-          <a:ln w="25400">
-            <a:solidFill>
-              <a:schemeClr val="accent2">
-                <a:lumMod val="75000"/>
-              </a:schemeClr>
-            </a:solidFill>
-            <a:tailEnd type="triangle"/>
-          </a:ln>
-        </p:spPr>
-        <p:style>
-          <a:lnRef idx="1">
-            <a:schemeClr val="accent1"/>
-          </a:lnRef>
-          <a:fillRef idx="0">
-            <a:schemeClr val="accent1"/>
-          </a:fillRef>
-          <a:effectRef idx="0">
-            <a:schemeClr val="accent1"/>
-          </a:effectRef>
-          <a:fontRef idx="minor">
-            <a:schemeClr val="tx1"/>
-          </a:fontRef>
-        </p:style>
-      </p:cxnSp>
-      <p:cxnSp>
-        <p:nvCxnSpPr>
-          <p:cNvPr id="36" name="Elbow Connector 35"/>
-          <p:cNvCxnSpPr>
-            <a:stCxn id="3" idx="1"/>
-          </p:cNvCxnSpPr>
-          <p:nvPr/>
-        </p:nvCxnSpPr>
-        <p:spPr>
-          <a:xfrm rot="10800000" flipH="1" flipV="1">
-            <a:off x="2220957" y="2129205"/>
-            <a:ext cx="5727349" cy="2154637"/>
-          </a:xfrm>
-          <a:prstGeom prst="bentConnector3">
-            <a:avLst>
-              <a:gd name="adj1" fmla="val -3991"/>
-            </a:avLst>
-          </a:prstGeom>
-          <a:ln w="25400">
-            <a:solidFill>
-              <a:schemeClr val="accent2">
-                <a:lumMod val="75000"/>
-              </a:schemeClr>
-            </a:solidFill>
-            <a:tailEnd type="triangle"/>
-          </a:ln>
-        </p:spPr>
-        <p:style>
-          <a:lnRef idx="1">
-            <a:schemeClr val="accent1"/>
-          </a:lnRef>
-          <a:fillRef idx="0">
-            <a:schemeClr val="accent1"/>
-          </a:fillRef>
-          <a:effectRef idx="0">
-            <a:schemeClr val="accent1"/>
-          </a:effectRef>
-          <a:fontRef idx="minor">
-            <a:schemeClr val="tx1"/>
-          </a:fontRef>
-        </p:style>
-      </p:cxnSp>
-      <p:cxnSp>
-        <p:nvCxnSpPr>
-          <p:cNvPr id="45" name="Straight Arrow Connector 44"/>
-          <p:cNvCxnSpPr>
-            <a:stCxn id="24" idx="2"/>
-            <a:endCxn id="22" idx="0"/>
-          </p:cNvCxnSpPr>
-          <p:nvPr/>
-        </p:nvCxnSpPr>
-        <p:spPr>
-          <a:xfrm flipH="1">
-            <a:off x="9423279" y="4731938"/>
-            <a:ext cx="15000" cy="318315"/>
-          </a:xfrm>
-          <a:prstGeom prst="straightConnector1">
-            <a:avLst/>
-          </a:prstGeom>
-          <a:ln w="25400">
-            <a:solidFill>
-              <a:schemeClr val="accent2">
-                <a:lumMod val="75000"/>
-              </a:schemeClr>
-            </a:solidFill>
-            <a:tailEnd type="triangle"/>
-          </a:ln>
-        </p:spPr>
-        <p:style>
-          <a:lnRef idx="1">
-            <a:schemeClr val="accent1"/>
-          </a:lnRef>
-          <a:fillRef idx="0">
-            <a:schemeClr val="accent1"/>
-          </a:fillRef>
-          <a:effectRef idx="0">
-            <a:schemeClr val="accent1"/>
-          </a:effectRef>
-          <a:fontRef idx="minor">
-            <a:schemeClr val="tx1"/>
-          </a:fontRef>
-        </p:style>
-      </p:cxnSp>
       <p:sp>
         <p:nvSpPr>
           <p:cNvPr id="49" name="TextBox 48"/>
@@ -3875,8 +3437,8 @@
         </p:nvSpPr>
         <p:spPr>
           <a:xfrm>
-            <a:off x="2729647" y="4718041"/>
-            <a:ext cx="1404262" cy="369332"/>
+            <a:off x="994512" y="5508303"/>
+            <a:ext cx="1913788" cy="461665"/>
           </a:xfrm>
           <a:prstGeom prst="rect">
             <a:avLst/>
@@ -3890,14 +3452,14 @@
           <a:lstStyle/>
           <a:p>
             <a:r>
-              <a:rPr lang="en-US" b="1" dirty="0" smtClean="0">
+              <a:rPr lang="en-US" sz="2400" b="1" dirty="0" smtClean="0">
                 <a:solidFill>
                   <a:schemeClr val="tx2"/>
                 </a:solidFill>
               </a:rPr>
               <a:t>Study Data</a:t>
             </a:r>
-            <a:endParaRPr lang="en-US" b="1" dirty="0">
+            <a:endParaRPr lang="en-US" sz="2400" b="1" dirty="0">
               <a:solidFill>
                 <a:schemeClr val="tx2"/>
               </a:solidFill>
@@ -3913,8 +3475,8 @@
         </p:nvSpPr>
         <p:spPr>
           <a:xfrm>
-            <a:off x="2725921" y="5020717"/>
-            <a:ext cx="2222409" cy="369332"/>
+            <a:off x="990786" y="5899879"/>
+            <a:ext cx="2844614" cy="461665"/>
           </a:xfrm>
           <a:prstGeom prst="rect">
             <a:avLst/>
@@ -3928,14 +3490,14 @@
           <a:lstStyle/>
           <a:p>
             <a:r>
-              <a:rPr lang="en-US" b="1" dirty="0" smtClean="0">
+              <a:rPr lang="en-US" sz="2400" b="1" dirty="0" smtClean="0">
                 <a:solidFill>
                   <a:schemeClr val="tx2"/>
                 </a:solidFill>
               </a:rPr>
               <a:t>Theoretical Model</a:t>
             </a:r>
-            <a:endParaRPr lang="en-US" b="1" dirty="0">
+            <a:endParaRPr lang="en-US" sz="2400" b="1" dirty="0">
               <a:solidFill>
                 <a:schemeClr val="tx2"/>
               </a:solidFill>
@@ -3951,8 +3513,8 @@
         </p:nvSpPr>
         <p:spPr>
           <a:xfrm>
-            <a:off x="2725921" y="5298001"/>
-            <a:ext cx="1714215" cy="369332"/>
+            <a:off x="990786" y="6304163"/>
+            <a:ext cx="2387414" cy="461665"/>
           </a:xfrm>
           <a:prstGeom prst="rect">
             <a:avLst/>
@@ -3966,14 +3528,14 @@
           <a:lstStyle/>
           <a:p>
             <a:r>
-              <a:rPr lang="en-US" b="1" dirty="0" smtClean="0">
+              <a:rPr lang="en-US" sz="2400" b="1" dirty="0" smtClean="0">
                 <a:solidFill>
                   <a:schemeClr val="tx2"/>
                 </a:solidFill>
               </a:rPr>
               <a:t>Estimated Risk</a:t>
             </a:r>
-            <a:endParaRPr lang="en-US" b="1" dirty="0">
+            <a:endParaRPr lang="en-US" sz="2400" b="1" dirty="0">
               <a:solidFill>
                 <a:schemeClr val="tx2"/>
               </a:solidFill>
@@ -3989,8 +3551,8 @@
         </p:nvSpPr>
         <p:spPr>
           <a:xfrm>
-            <a:off x="2268009" y="4811024"/>
-            <a:ext cx="457912" cy="182880"/>
+            <a:off x="393174" y="5626686"/>
+            <a:ext cx="612000" cy="288000"/>
           </a:xfrm>
           <a:prstGeom prst="flowChartInputOutput">
             <a:avLst/>
@@ -4052,8 +3614,8 @@
         </p:nvSpPr>
         <p:spPr>
           <a:xfrm>
-            <a:off x="2247801" y="5117124"/>
-            <a:ext cx="457200" cy="182880"/>
+            <a:off x="372966" y="6008985"/>
+            <a:ext cx="612000" cy="252000"/>
           </a:xfrm>
           <a:prstGeom prst="roundRect">
             <a:avLst/>
@@ -4101,8 +3663,8 @@
         </p:nvSpPr>
         <p:spPr>
           <a:xfrm>
-            <a:off x="2247801" y="5413730"/>
-            <a:ext cx="457200" cy="182880"/>
+            <a:off x="330200" y="6369091"/>
+            <a:ext cx="648000" cy="324000"/>
           </a:xfrm>
           <a:prstGeom prst="flowChartTerminator">
             <a:avLst/>
@@ -4147,6 +3709,274 @@
               <a:latin typeface="Liberation Serif"/>
               <a:ea typeface="PMingLiU" panose="02020500000000000000" pitchFamily="18" charset="-120"/>
               <a:cs typeface="Mangal" panose="02040503050203030202" pitchFamily="18" charset="0"/>
+            </a:endParaRPr>
+          </a:p>
+        </p:txBody>
+      </p:sp>
+      <p:sp>
+        <p:nvSpPr>
+          <p:cNvPr id="30" name="Rectangle 29"/>
+          <p:cNvSpPr/>
+          <p:nvPr/>
+        </p:nvSpPr>
+        <p:spPr>
+          <a:xfrm>
+            <a:off x="4258613" y="436840"/>
+            <a:ext cx="3323288" cy="830997"/>
+          </a:xfrm>
+          <a:prstGeom prst="rect">
+            <a:avLst/>
+          </a:prstGeom>
+        </p:spPr>
+        <p:txBody>
+          <a:bodyPr wrap="square">
+            <a:spAutoFit/>
+          </a:bodyPr>
+          <a:lstStyle/>
+          <a:p>
+            <a:pPr algn="ctr"/>
+            <a:r>
+              <a:rPr lang="en-US" altLang="zh-TW" sz="2400" b="1" i="1" dirty="0">
+                <a:solidFill>
+                  <a:srgbClr val="FFFFFF"/>
+                </a:solidFill>
+                <a:ea typeface="PMingLiU" panose="02020500000000000000" pitchFamily="18" charset="-120"/>
+                <a:cs typeface="Times New Roman" panose="02020603050405020304" pitchFamily="18" charset="0"/>
+              </a:rPr>
+              <a:t>Environmental pesticides </a:t>
+            </a:r>
+            <a:r>
+              <a:rPr lang="en-US" altLang="zh-TW" sz="2400" b="1" i="1" dirty="0" smtClean="0">
+                <a:solidFill>
+                  <a:srgbClr val="FFFFFF"/>
+                </a:solidFill>
+                <a:ea typeface="PMingLiU" panose="02020500000000000000" pitchFamily="18" charset="-120"/>
+                <a:cs typeface="Times New Roman" panose="02020603050405020304" pitchFamily="18" charset="0"/>
+              </a:rPr>
+              <a:t>investigation</a:t>
+            </a:r>
+            <a:endParaRPr lang="en-US" altLang="zh-TW" sz="2400" dirty="0">
+              <a:solidFill>
+                <a:srgbClr val="00000A"/>
+              </a:solidFill>
+              <a:latin typeface="Liberation Serif"/>
+              <a:ea typeface="PMingLiU" panose="02020500000000000000" pitchFamily="18" charset="-120"/>
+              <a:cs typeface="Mangal" panose="02040503050203030202" pitchFamily="18" charset="0"/>
+            </a:endParaRPr>
+          </a:p>
+        </p:txBody>
+      </p:sp>
+      <p:sp>
+        <p:nvSpPr>
+          <p:cNvPr id="31" name="Rectangle 30"/>
+          <p:cNvSpPr/>
+          <p:nvPr/>
+        </p:nvSpPr>
+        <p:spPr>
+          <a:xfrm>
+            <a:off x="8049410" y="399534"/>
+            <a:ext cx="3352371" cy="830997"/>
+          </a:xfrm>
+          <a:prstGeom prst="rect">
+            <a:avLst/>
+          </a:prstGeom>
+        </p:spPr>
+        <p:txBody>
+          <a:bodyPr wrap="square">
+            <a:spAutoFit/>
+          </a:bodyPr>
+          <a:lstStyle/>
+          <a:p>
+            <a:pPr algn="ctr"/>
+            <a:r>
+              <a:rPr lang="en-US" altLang="zh-TW" sz="2400" b="1" i="1" dirty="0">
+                <a:solidFill>
+                  <a:srgbClr val="FFFFFF"/>
+                </a:solidFill>
+                <a:ea typeface="PMingLiU" panose="02020500000000000000" pitchFamily="18" charset="-120"/>
+                <a:cs typeface="Times New Roman" panose="02020603050405020304" pitchFamily="18" charset="0"/>
+              </a:rPr>
+              <a:t>Seasonality of  Parameter Rate Ratios</a:t>
+            </a:r>
+            <a:endParaRPr lang="en-US" altLang="zh-TW" sz="2400" dirty="0">
+              <a:solidFill>
+                <a:srgbClr val="00000A"/>
+              </a:solidFill>
+              <a:latin typeface="Liberation Serif"/>
+              <a:ea typeface="PMingLiU" panose="02020500000000000000" pitchFamily="18" charset="-120"/>
+              <a:cs typeface="Mangal" panose="02040503050203030202" pitchFamily="18" charset="0"/>
+            </a:endParaRPr>
+          </a:p>
+        </p:txBody>
+      </p:sp>
+      <p:sp>
+        <p:nvSpPr>
+          <p:cNvPr id="42" name="Flowchart: Data 41"/>
+          <p:cNvSpPr/>
+          <p:nvPr/>
+        </p:nvSpPr>
+        <p:spPr>
+          <a:xfrm>
+            <a:off x="315347" y="448636"/>
+            <a:ext cx="4326529" cy="732791"/>
+          </a:xfrm>
+          <a:prstGeom prst="flowChartInputOutput">
+            <a:avLst/>
+          </a:prstGeom>
+        </p:spPr>
+        <p:style>
+          <a:lnRef idx="2">
+            <a:schemeClr val="accent5">
+              <a:shade val="50000"/>
+            </a:schemeClr>
+          </a:lnRef>
+          <a:fillRef idx="1">
+            <a:schemeClr val="accent5"/>
+          </a:fillRef>
+          <a:effectRef idx="0">
+            <a:schemeClr val="accent5"/>
+          </a:effectRef>
+          <a:fontRef idx="minor">
+            <a:schemeClr val="lt1"/>
+          </a:fontRef>
+        </p:style>
+        <p:txBody>
+          <a:bodyPr rot="0" spcFirstLastPara="0" vert="horz" wrap="square" lIns="91440" tIns="45720" rIns="91440" bIns="45720" numCol="1" spcCol="0" rtlCol="0" fromWordArt="0" anchor="ctr" anchorCtr="0" forceAA="0" compatLnSpc="1">
+            <a:prstTxWarp prst="textNoShape">
+              <a:avLst/>
+            </a:prstTxWarp>
+            <a:noAutofit/>
+          </a:bodyPr>
+          <a:lstStyle/>
+          <a:p>
+            <a:pPr marL="0" marR="0" algn="ctr">
+              <a:spcBef>
+                <a:spcPts val="0"/>
+              </a:spcBef>
+              <a:spcAft>
+                <a:spcPts val="0"/>
+              </a:spcAft>
+            </a:pPr>
+            <a:endParaRPr lang="en-US" sz="2400" dirty="0">
+              <a:solidFill>
+                <a:srgbClr val="00000A"/>
+              </a:solidFill>
+              <a:effectLst/>
+              <a:latin typeface="Liberation Serif"/>
+              <a:ea typeface="PMingLiU" panose="02020500000000000000" pitchFamily="18" charset="-120"/>
+              <a:cs typeface="Mangal" panose="02040503050203030202" pitchFamily="18" charset="0"/>
+            </a:endParaRPr>
+          </a:p>
+        </p:txBody>
+      </p:sp>
+      <p:sp>
+        <p:nvSpPr>
+          <p:cNvPr id="32" name="Rectangle 31"/>
+          <p:cNvSpPr/>
+          <p:nvPr/>
+        </p:nvSpPr>
+        <p:spPr>
+          <a:xfrm>
+            <a:off x="1246593" y="394106"/>
+            <a:ext cx="2525308" cy="830997"/>
+          </a:xfrm>
+          <a:prstGeom prst="rect">
+            <a:avLst/>
+          </a:prstGeom>
+        </p:spPr>
+        <p:txBody>
+          <a:bodyPr wrap="square">
+            <a:spAutoFit/>
+          </a:bodyPr>
+          <a:lstStyle/>
+          <a:p>
+            <a:pPr algn="ctr"/>
+            <a:r>
+              <a:rPr lang="en-US" altLang="zh-TW" sz="2400" b="1" i="1" dirty="0">
+                <a:solidFill>
+                  <a:srgbClr val="FFFFFF"/>
+                </a:solidFill>
+                <a:ea typeface="PMingLiU" panose="02020500000000000000" pitchFamily="18" charset="-120"/>
+                <a:cs typeface="Times New Roman" panose="02020603050405020304" pitchFamily="18" charset="0"/>
+              </a:rPr>
+              <a:t>Experimental bioassay </a:t>
+            </a:r>
+            <a:endParaRPr lang="en-US" altLang="zh-TW" sz="2400" dirty="0">
+              <a:solidFill>
+                <a:srgbClr val="00000A"/>
+              </a:solidFill>
+              <a:latin typeface="Liberation Serif"/>
+              <a:ea typeface="PMingLiU" panose="02020500000000000000" pitchFamily="18" charset="-120"/>
+              <a:cs typeface="Mangal" panose="02040503050203030202" pitchFamily="18" charset="0"/>
+            </a:endParaRPr>
+          </a:p>
+        </p:txBody>
+      </p:sp>
+      <p:sp>
+        <p:nvSpPr>
+          <p:cNvPr id="44" name="Flowchart: Terminator 43"/>
+          <p:cNvSpPr/>
+          <p:nvPr/>
+        </p:nvSpPr>
+        <p:spPr>
+          <a:xfrm>
+            <a:off x="6626581" y="5739135"/>
+            <a:ext cx="5461000" cy="953956"/>
+          </a:xfrm>
+          <a:prstGeom prst="flowChartTerminator">
+            <a:avLst/>
+          </a:prstGeom>
+        </p:spPr>
+        <p:style>
+          <a:lnRef idx="1">
+            <a:schemeClr val="accent2"/>
+          </a:lnRef>
+          <a:fillRef idx="3">
+            <a:schemeClr val="accent2"/>
+          </a:fillRef>
+          <a:effectRef idx="2">
+            <a:schemeClr val="accent2"/>
+          </a:effectRef>
+          <a:fontRef idx="minor">
+            <a:schemeClr val="lt1"/>
+          </a:fontRef>
+        </p:style>
+        <p:txBody>
+          <a:bodyPr rot="0" spcFirstLastPara="0" vert="horz" wrap="square" lIns="91440" tIns="45720" rIns="91440" bIns="45720" numCol="1" spcCol="0" rtlCol="0" fromWordArt="0" anchor="ctr" anchorCtr="0" forceAA="0" compatLnSpc="1">
+            <a:prstTxWarp prst="textNoShape">
+              <a:avLst/>
+            </a:prstTxWarp>
+            <a:noAutofit/>
+          </a:bodyPr>
+          <a:lstStyle/>
+          <a:p>
+            <a:pPr algn="ctr"/>
+            <a:r>
+              <a:rPr lang="en-US" altLang="zh-TW" sz="2400" b="1" i="1" dirty="0" err="1">
+                <a:solidFill>
+                  <a:srgbClr val="FFFFFF"/>
+                </a:solidFill>
+                <a:ea typeface="PMingLiU" panose="02020500000000000000" pitchFamily="18" charset="-120"/>
+                <a:cs typeface="Times New Roman" panose="02020603050405020304" pitchFamily="18" charset="0"/>
+              </a:rPr>
+              <a:t>Imidacloprid</a:t>
+            </a:r>
+            <a:r>
+              <a:rPr lang="en-US" altLang="zh-TW" sz="2400" b="1" i="1" dirty="0">
+                <a:solidFill>
+                  <a:srgbClr val="FFFFFF"/>
+                </a:solidFill>
+                <a:ea typeface="PMingLiU" panose="02020500000000000000" pitchFamily="18" charset="-120"/>
+                <a:cs typeface="Times New Roman" panose="02020603050405020304" pitchFamily="18" charset="0"/>
+              </a:rPr>
+              <a:t>-induced population extinction risk in long term period</a:t>
+            </a:r>
+            <a:endParaRPr lang="en-US" altLang="zh-TW" sz="2400" b="1" i="1" dirty="0">
+              <a:solidFill>
+                <a:srgbClr val="FFFFFF"/>
+              </a:solidFill>
+              <a:ea typeface="PMingLiU" panose="02020500000000000000" pitchFamily="18" charset="-120"/>
+              <a:cs typeface="Times New Roman" panose="02020603050405020304" pitchFamily="18" charset="0"/>
             </a:endParaRPr>
           </a:p>
         </p:txBody>
@@ -6936,7 +6766,7 @@
   <a:extraClrSchemeLst/>
   <a:extLst>
     <a:ext uri="{05A4C25C-085E-4340-85A3-A5531E510DB2}">
-      <thm15:themeFamily xmlns:thm15="http://schemas.microsoft.com/office/thememl/2012/main" name="Office Theme" id="{62F939B6-93AF-4DB8-9C6B-D6C7DFDC589F}" vid="{4A3C46E8-61CC-4603-A589-7422A47A8E4A}"/>
+      <thm15:themeFamily xmlns:thm15="http://schemas.microsoft.com/office/thememl/2012/main" xmlns="" name="Office Theme" id="{62F939B6-93AF-4DB8-9C6B-D6C7DFDC589F}" vid="{4A3C46E8-61CC-4603-A589-7422A47A8E4A}"/>
     </a:ext>
   </a:extLst>
 </a:theme>

--- a/151019 Artwork.pptx
+++ b/151019 Artwork.pptx
@@ -4,6 +4,9 @@
   <p:sldMasterIdLst>
     <p:sldMasterId id="2147483648" r:id="rId1"/>
   </p:sldMasterIdLst>
+  <p:notesMasterIdLst>
+    <p:notesMasterId r:id="rId7"/>
+  </p:notesMasterIdLst>
   <p:sldIdLst>
     <p:sldId id="261" r:id="rId2"/>
     <p:sldId id="256" r:id="rId3"/>
@@ -12,7 +15,7 @@
     <p:sldId id="260" r:id="rId6"/>
   </p:sldIdLst>
   <p:sldSz cx="12192000" cy="6858000"/>
-  <p:notesSz cx="6858000" cy="9144000"/>
+  <p:notesSz cx="7315200" cy="9601200"/>
   <p:defaultTextStyle>
     <a:defPPr>
       <a:defRPr lang="zh-TW"/>
@@ -127,6 +130,440 @@
 </p:presentation>
 </file>
 
+<file path=ppt/notesMasters/notesMaster1.xml><?xml version="1.0" encoding="utf-8"?>
+<p:notesMaster xmlns:a="http://schemas.openxmlformats.org/drawingml/2006/main" xmlns:r="http://schemas.openxmlformats.org/officeDocument/2006/relationships" xmlns:p="http://schemas.openxmlformats.org/presentationml/2006/main">
+  <p:cSld>
+    <p:bg>
+      <p:bgRef idx="1001">
+        <a:schemeClr val="bg1"/>
+      </p:bgRef>
+    </p:bg>
+    <p:spTree>
+      <p:nvGrpSpPr>
+        <p:cNvPr id="1" name=""/>
+        <p:cNvGrpSpPr/>
+        <p:nvPr/>
+      </p:nvGrpSpPr>
+      <p:grpSpPr>
+        <a:xfrm>
+          <a:off x="0" y="0"/>
+          <a:ext cx="0" cy="0"/>
+          <a:chOff x="0" y="0"/>
+          <a:chExt cx="0" cy="0"/>
+        </a:xfrm>
+      </p:grpSpPr>
+      <p:sp>
+        <p:nvSpPr>
+          <p:cNvPr id="2" name="Header Placeholder 1"/>
+          <p:cNvSpPr>
+            <a:spLocks noGrp="1"/>
+          </p:cNvSpPr>
+          <p:nvPr>
+            <p:ph type="hdr" sz="quarter"/>
+          </p:nvPr>
+        </p:nvSpPr>
+        <p:spPr>
+          <a:xfrm>
+            <a:off x="0" y="0"/>
+            <a:ext cx="3170238" cy="481013"/>
+          </a:xfrm>
+          <a:prstGeom prst="rect">
+            <a:avLst/>
+          </a:prstGeom>
+        </p:spPr>
+        <p:txBody>
+          <a:bodyPr vert="horz" lIns="91440" tIns="45720" rIns="91440" bIns="45720" rtlCol="0"/>
+          <a:lstStyle>
+            <a:lvl1pPr algn="l">
+              <a:defRPr sz="1200"/>
+            </a:lvl1pPr>
+          </a:lstStyle>
+          <a:p>
+            <a:endParaRPr lang="en-US"/>
+          </a:p>
+        </p:txBody>
+      </p:sp>
+      <p:sp>
+        <p:nvSpPr>
+          <p:cNvPr id="3" name="Date Placeholder 2"/>
+          <p:cNvSpPr>
+            <a:spLocks noGrp="1"/>
+          </p:cNvSpPr>
+          <p:nvPr>
+            <p:ph type="dt" idx="1"/>
+          </p:nvPr>
+        </p:nvSpPr>
+        <p:spPr>
+          <a:xfrm>
+            <a:off x="4143375" y="0"/>
+            <a:ext cx="3170238" cy="481013"/>
+          </a:xfrm>
+          <a:prstGeom prst="rect">
+            <a:avLst/>
+          </a:prstGeom>
+        </p:spPr>
+        <p:txBody>
+          <a:bodyPr vert="horz" lIns="91440" tIns="45720" rIns="91440" bIns="45720" rtlCol="0"/>
+          <a:lstStyle>
+            <a:lvl1pPr algn="r">
+              <a:defRPr sz="1200"/>
+            </a:lvl1pPr>
+          </a:lstStyle>
+          <a:p>
+            <a:fld id="{622B9E77-442A-4CA4-B9EE-F870CCF5D6FC}" type="datetimeFigureOut">
+              <a:rPr lang="en-US" smtClean="0"/>
+              <a:t>1/13/2017</a:t>
+            </a:fld>
+            <a:endParaRPr lang="en-US"/>
+          </a:p>
+        </p:txBody>
+      </p:sp>
+      <p:sp>
+        <p:nvSpPr>
+          <p:cNvPr id="4" name="Slide Image Placeholder 3"/>
+          <p:cNvSpPr>
+            <a:spLocks noGrp="1" noRot="1" noChangeAspect="1"/>
+          </p:cNvSpPr>
+          <p:nvPr>
+            <p:ph type="sldImg" idx="2"/>
+          </p:nvPr>
+        </p:nvSpPr>
+        <p:spPr>
+          <a:xfrm>
+            <a:off x="777875" y="1200150"/>
+            <a:ext cx="5759450" cy="3240088"/>
+          </a:xfrm>
+          <a:prstGeom prst="rect">
+            <a:avLst/>
+          </a:prstGeom>
+          <a:noFill/>
+          <a:ln w="12700">
+            <a:solidFill>
+              <a:prstClr val="black"/>
+            </a:solidFill>
+          </a:ln>
+        </p:spPr>
+        <p:txBody>
+          <a:bodyPr vert="horz" lIns="91440" tIns="45720" rIns="91440" bIns="45720" rtlCol="0" anchor="ctr"/>
+          <a:lstStyle/>
+          <a:p>
+            <a:endParaRPr lang="en-US"/>
+          </a:p>
+        </p:txBody>
+      </p:sp>
+      <p:sp>
+        <p:nvSpPr>
+          <p:cNvPr id="5" name="Notes Placeholder 4"/>
+          <p:cNvSpPr>
+            <a:spLocks noGrp="1"/>
+          </p:cNvSpPr>
+          <p:nvPr>
+            <p:ph type="body" sz="quarter" idx="3"/>
+          </p:nvPr>
+        </p:nvSpPr>
+        <p:spPr>
+          <a:xfrm>
+            <a:off x="731838" y="4621213"/>
+            <a:ext cx="5851525" cy="3779837"/>
+          </a:xfrm>
+          <a:prstGeom prst="rect">
+            <a:avLst/>
+          </a:prstGeom>
+        </p:spPr>
+        <p:txBody>
+          <a:bodyPr vert="horz" lIns="91440" tIns="45720" rIns="91440" bIns="45720" rtlCol="0"/>
+          <a:lstStyle/>
+          <a:p>
+            <a:pPr lvl="0"/>
+            <a:r>
+              <a:rPr lang="en-US" smtClean="0"/>
+              <a:t>Click to edit Master text styles</a:t>
+            </a:r>
+          </a:p>
+          <a:p>
+            <a:pPr lvl="1"/>
+            <a:r>
+              <a:rPr lang="en-US" smtClean="0"/>
+              <a:t>Second level</a:t>
+            </a:r>
+          </a:p>
+          <a:p>
+            <a:pPr lvl="2"/>
+            <a:r>
+              <a:rPr lang="en-US" smtClean="0"/>
+              <a:t>Third level</a:t>
+            </a:r>
+          </a:p>
+          <a:p>
+            <a:pPr lvl="3"/>
+            <a:r>
+              <a:rPr lang="en-US" smtClean="0"/>
+              <a:t>Fourth level</a:t>
+            </a:r>
+          </a:p>
+          <a:p>
+            <a:pPr lvl="4"/>
+            <a:r>
+              <a:rPr lang="en-US" smtClean="0"/>
+              <a:t>Fifth level</a:t>
+            </a:r>
+            <a:endParaRPr lang="en-US"/>
+          </a:p>
+        </p:txBody>
+      </p:sp>
+      <p:sp>
+        <p:nvSpPr>
+          <p:cNvPr id="6" name="Footer Placeholder 5"/>
+          <p:cNvSpPr>
+            <a:spLocks noGrp="1"/>
+          </p:cNvSpPr>
+          <p:nvPr>
+            <p:ph type="ftr" sz="quarter" idx="4"/>
+          </p:nvPr>
+        </p:nvSpPr>
+        <p:spPr>
+          <a:xfrm>
+            <a:off x="0" y="9120188"/>
+            <a:ext cx="3170238" cy="481012"/>
+          </a:xfrm>
+          <a:prstGeom prst="rect">
+            <a:avLst/>
+          </a:prstGeom>
+        </p:spPr>
+        <p:txBody>
+          <a:bodyPr vert="horz" lIns="91440" tIns="45720" rIns="91440" bIns="45720" rtlCol="0" anchor="b"/>
+          <a:lstStyle>
+            <a:lvl1pPr algn="l">
+              <a:defRPr sz="1200"/>
+            </a:lvl1pPr>
+          </a:lstStyle>
+          <a:p>
+            <a:endParaRPr lang="en-US"/>
+          </a:p>
+        </p:txBody>
+      </p:sp>
+      <p:sp>
+        <p:nvSpPr>
+          <p:cNvPr id="7" name="Slide Number Placeholder 6"/>
+          <p:cNvSpPr>
+            <a:spLocks noGrp="1"/>
+          </p:cNvSpPr>
+          <p:nvPr>
+            <p:ph type="sldNum" sz="quarter" idx="5"/>
+          </p:nvPr>
+        </p:nvSpPr>
+        <p:spPr>
+          <a:xfrm>
+            <a:off x="4143375" y="9120188"/>
+            <a:ext cx="3170238" cy="481012"/>
+          </a:xfrm>
+          <a:prstGeom prst="rect">
+            <a:avLst/>
+          </a:prstGeom>
+        </p:spPr>
+        <p:txBody>
+          <a:bodyPr vert="horz" lIns="91440" tIns="45720" rIns="91440" bIns="45720" rtlCol="0" anchor="b"/>
+          <a:lstStyle>
+            <a:lvl1pPr algn="r">
+              <a:defRPr sz="1200"/>
+            </a:lvl1pPr>
+          </a:lstStyle>
+          <a:p>
+            <a:fld id="{6CEF3D11-5A54-42D7-A5B4-C4D659C18C9B}" type="slidenum">
+              <a:rPr lang="en-US" smtClean="0"/>
+              <a:t>‹#›</a:t>
+            </a:fld>
+            <a:endParaRPr lang="en-US"/>
+          </a:p>
+        </p:txBody>
+      </p:sp>
+    </p:spTree>
+    <p:extLst>
+      <p:ext uri="{BB962C8B-B14F-4D97-AF65-F5344CB8AC3E}">
+        <p14:creationId xmlns:p14="http://schemas.microsoft.com/office/powerpoint/2010/main" val="3876891844"/>
+      </p:ext>
+    </p:extLst>
+  </p:cSld>
+  <p:clrMap bg1="lt1" tx1="dk1" bg2="lt2" tx2="dk2" accent1="accent1" accent2="accent2" accent3="accent3" accent4="accent4" accent5="accent5" accent6="accent6" hlink="hlink" folHlink="folHlink"/>
+  <p:notesStyle>
+    <a:lvl1pPr marL="0" algn="l" defTabSz="914400" rtl="0" eaLnBrk="1" latinLnBrk="0" hangingPunct="1">
+      <a:defRPr sz="1200" kern="1200">
+        <a:solidFill>
+          <a:schemeClr val="tx1"/>
+        </a:solidFill>
+        <a:latin typeface="+mn-lt"/>
+        <a:ea typeface="+mn-ea"/>
+        <a:cs typeface="+mn-cs"/>
+      </a:defRPr>
+    </a:lvl1pPr>
+    <a:lvl2pPr marL="457200" algn="l" defTabSz="914400" rtl="0" eaLnBrk="1" latinLnBrk="0" hangingPunct="1">
+      <a:defRPr sz="1200" kern="1200">
+        <a:solidFill>
+          <a:schemeClr val="tx1"/>
+        </a:solidFill>
+        <a:latin typeface="+mn-lt"/>
+        <a:ea typeface="+mn-ea"/>
+        <a:cs typeface="+mn-cs"/>
+      </a:defRPr>
+    </a:lvl2pPr>
+    <a:lvl3pPr marL="914400" algn="l" defTabSz="914400" rtl="0" eaLnBrk="1" latinLnBrk="0" hangingPunct="1">
+      <a:defRPr sz="1200" kern="1200">
+        <a:solidFill>
+          <a:schemeClr val="tx1"/>
+        </a:solidFill>
+        <a:latin typeface="+mn-lt"/>
+        <a:ea typeface="+mn-ea"/>
+        <a:cs typeface="+mn-cs"/>
+      </a:defRPr>
+    </a:lvl3pPr>
+    <a:lvl4pPr marL="1371600" algn="l" defTabSz="914400" rtl="0" eaLnBrk="1" latinLnBrk="0" hangingPunct="1">
+      <a:defRPr sz="1200" kern="1200">
+        <a:solidFill>
+          <a:schemeClr val="tx1"/>
+        </a:solidFill>
+        <a:latin typeface="+mn-lt"/>
+        <a:ea typeface="+mn-ea"/>
+        <a:cs typeface="+mn-cs"/>
+      </a:defRPr>
+    </a:lvl4pPr>
+    <a:lvl5pPr marL="1828800" algn="l" defTabSz="914400" rtl="0" eaLnBrk="1" latinLnBrk="0" hangingPunct="1">
+      <a:defRPr sz="1200" kern="1200">
+        <a:solidFill>
+          <a:schemeClr val="tx1"/>
+        </a:solidFill>
+        <a:latin typeface="+mn-lt"/>
+        <a:ea typeface="+mn-ea"/>
+        <a:cs typeface="+mn-cs"/>
+      </a:defRPr>
+    </a:lvl5pPr>
+    <a:lvl6pPr marL="2286000" algn="l" defTabSz="914400" rtl="0" eaLnBrk="1" latinLnBrk="0" hangingPunct="1">
+      <a:defRPr sz="1200" kern="1200">
+        <a:solidFill>
+          <a:schemeClr val="tx1"/>
+        </a:solidFill>
+        <a:latin typeface="+mn-lt"/>
+        <a:ea typeface="+mn-ea"/>
+        <a:cs typeface="+mn-cs"/>
+      </a:defRPr>
+    </a:lvl6pPr>
+    <a:lvl7pPr marL="2743200" algn="l" defTabSz="914400" rtl="0" eaLnBrk="1" latinLnBrk="0" hangingPunct="1">
+      <a:defRPr sz="1200" kern="1200">
+        <a:solidFill>
+          <a:schemeClr val="tx1"/>
+        </a:solidFill>
+        <a:latin typeface="+mn-lt"/>
+        <a:ea typeface="+mn-ea"/>
+        <a:cs typeface="+mn-cs"/>
+      </a:defRPr>
+    </a:lvl7pPr>
+    <a:lvl8pPr marL="3200400" algn="l" defTabSz="914400" rtl="0" eaLnBrk="1" latinLnBrk="0" hangingPunct="1">
+      <a:defRPr sz="1200" kern="1200">
+        <a:solidFill>
+          <a:schemeClr val="tx1"/>
+        </a:solidFill>
+        <a:latin typeface="+mn-lt"/>
+        <a:ea typeface="+mn-ea"/>
+        <a:cs typeface="+mn-cs"/>
+      </a:defRPr>
+    </a:lvl8pPr>
+    <a:lvl9pPr marL="3657600" algn="l" defTabSz="914400" rtl="0" eaLnBrk="1" latinLnBrk="0" hangingPunct="1">
+      <a:defRPr sz="1200" kern="1200">
+        <a:solidFill>
+          <a:schemeClr val="tx1"/>
+        </a:solidFill>
+        <a:latin typeface="+mn-lt"/>
+        <a:ea typeface="+mn-ea"/>
+        <a:cs typeface="+mn-cs"/>
+      </a:defRPr>
+    </a:lvl9pPr>
+  </p:notesStyle>
+</p:notesMaster>
+</file>
+
+<file path=ppt/notesSlides/notesSlide1.xml><?xml version="1.0" encoding="utf-8"?>
+<p:notes xmlns:a="http://schemas.openxmlformats.org/drawingml/2006/main" xmlns:r="http://schemas.openxmlformats.org/officeDocument/2006/relationships" xmlns:p="http://schemas.openxmlformats.org/presentationml/2006/main">
+  <p:cSld>
+    <p:spTree>
+      <p:nvGrpSpPr>
+        <p:cNvPr id="1" name=""/>
+        <p:cNvGrpSpPr/>
+        <p:nvPr/>
+      </p:nvGrpSpPr>
+      <p:grpSpPr>
+        <a:xfrm>
+          <a:off x="0" y="0"/>
+          <a:ext cx="0" cy="0"/>
+          <a:chOff x="0" y="0"/>
+          <a:chExt cx="0" cy="0"/>
+        </a:xfrm>
+      </p:grpSpPr>
+      <p:sp>
+        <p:nvSpPr>
+          <p:cNvPr id="2" name="Slide Image Placeholder 1"/>
+          <p:cNvSpPr>
+            <a:spLocks noGrp="1" noRot="1" noChangeAspect="1"/>
+          </p:cNvSpPr>
+          <p:nvPr>
+            <p:ph type="sldImg"/>
+          </p:nvPr>
+        </p:nvSpPr>
+        <p:spPr/>
+      </p:sp>
+      <p:sp>
+        <p:nvSpPr>
+          <p:cNvPr id="3" name="Notes Placeholder 2"/>
+          <p:cNvSpPr>
+            <a:spLocks noGrp="1"/>
+          </p:cNvSpPr>
+          <p:nvPr>
+            <p:ph type="body" idx="1"/>
+          </p:nvPr>
+        </p:nvSpPr>
+        <p:spPr/>
+        <p:txBody>
+          <a:bodyPr/>
+          <a:lstStyle/>
+          <a:p>
+            <a:endParaRPr lang="en-US"/>
+          </a:p>
+        </p:txBody>
+      </p:sp>
+      <p:sp>
+        <p:nvSpPr>
+          <p:cNvPr id="4" name="Slide Number Placeholder 3"/>
+          <p:cNvSpPr>
+            <a:spLocks noGrp="1"/>
+          </p:cNvSpPr>
+          <p:nvPr>
+            <p:ph type="sldNum" sz="quarter" idx="10"/>
+          </p:nvPr>
+        </p:nvSpPr>
+        <p:spPr/>
+        <p:txBody>
+          <a:bodyPr/>
+          <a:lstStyle/>
+          <a:p>
+            <a:fld id="{6CEF3D11-5A54-42D7-A5B4-C4D659C18C9B}" type="slidenum">
+              <a:rPr lang="en-US" smtClean="0"/>
+              <a:t>1</a:t>
+            </a:fld>
+            <a:endParaRPr lang="en-US"/>
+          </a:p>
+        </p:txBody>
+      </p:sp>
+    </p:spTree>
+    <p:extLst>
+      <p:ext uri="{BB962C8B-B14F-4D97-AF65-F5344CB8AC3E}">
+        <p14:creationId xmlns:p14="http://schemas.microsoft.com/office/powerpoint/2010/main" val="2067531350"/>
+      </p:ext>
+    </p:extLst>
+  </p:cSld>
+  <p:clrMapOvr>
+    <a:masterClrMapping/>
+  </p:clrMapOvr>
+</p:notes>
+</file>
+
 <file path=ppt/slideLayouts/slideLayout1.xml><?xml version="1.0" encoding="utf-8"?>
 <p:sldLayout xmlns:a="http://schemas.openxmlformats.org/drawingml/2006/main" xmlns:r="http://schemas.openxmlformats.org/officeDocument/2006/relationships" xmlns:p="http://schemas.openxmlformats.org/presentationml/2006/main" type="title" preserve="1">
   <p:cSld name="標題投影片">
@@ -258,7 +695,7 @@
           <a:p>
             <a:fld id="{F077C069-B739-4FEE-B1C2-9AE1A20352D7}" type="datetimeFigureOut">
               <a:rPr lang="zh-TW" altLang="en-US" smtClean="0"/>
-              <a:t>2017/1/10</a:t>
+              <a:t>2017/1/13</a:t>
             </a:fld>
             <a:endParaRPr lang="zh-TW" altLang="en-US"/>
           </a:p>
@@ -428,7 +865,7 @@
           <a:p>
             <a:fld id="{F077C069-B739-4FEE-B1C2-9AE1A20352D7}" type="datetimeFigureOut">
               <a:rPr lang="zh-TW" altLang="en-US" smtClean="0"/>
-              <a:t>2017/1/10</a:t>
+              <a:t>2017/1/13</a:t>
             </a:fld>
             <a:endParaRPr lang="zh-TW" altLang="en-US"/>
           </a:p>
@@ -608,7 +1045,7 @@
           <a:p>
             <a:fld id="{F077C069-B739-4FEE-B1C2-9AE1A20352D7}" type="datetimeFigureOut">
               <a:rPr lang="zh-TW" altLang="en-US" smtClean="0"/>
-              <a:t>2017/1/10</a:t>
+              <a:t>2017/1/13</a:t>
             </a:fld>
             <a:endParaRPr lang="zh-TW" altLang="en-US"/>
           </a:p>
@@ -778,7 +1215,7 @@
           <a:p>
             <a:fld id="{F077C069-B739-4FEE-B1C2-9AE1A20352D7}" type="datetimeFigureOut">
               <a:rPr lang="zh-TW" altLang="en-US" smtClean="0"/>
-              <a:t>2017/1/10</a:t>
+              <a:t>2017/1/13</a:t>
             </a:fld>
             <a:endParaRPr lang="zh-TW" altLang="en-US"/>
           </a:p>
@@ -1024,7 +1461,7 @@
           <a:p>
             <a:fld id="{F077C069-B739-4FEE-B1C2-9AE1A20352D7}" type="datetimeFigureOut">
               <a:rPr lang="zh-TW" altLang="en-US" smtClean="0"/>
-              <a:t>2017/1/10</a:t>
+              <a:t>2017/1/13</a:t>
             </a:fld>
             <a:endParaRPr lang="zh-TW" altLang="en-US"/>
           </a:p>
@@ -1256,7 +1693,7 @@
           <a:p>
             <a:fld id="{F077C069-B739-4FEE-B1C2-9AE1A20352D7}" type="datetimeFigureOut">
               <a:rPr lang="zh-TW" altLang="en-US" smtClean="0"/>
-              <a:t>2017/1/10</a:t>
+              <a:t>2017/1/13</a:t>
             </a:fld>
             <a:endParaRPr lang="zh-TW" altLang="en-US"/>
           </a:p>
@@ -1623,7 +2060,7 @@
           <a:p>
             <a:fld id="{F077C069-B739-4FEE-B1C2-9AE1A20352D7}" type="datetimeFigureOut">
               <a:rPr lang="zh-TW" altLang="en-US" smtClean="0"/>
-              <a:t>2017/1/10</a:t>
+              <a:t>2017/1/13</a:t>
             </a:fld>
             <a:endParaRPr lang="zh-TW" altLang="en-US"/>
           </a:p>
@@ -1741,7 +2178,7 @@
           <a:p>
             <a:fld id="{F077C069-B739-4FEE-B1C2-9AE1A20352D7}" type="datetimeFigureOut">
               <a:rPr lang="zh-TW" altLang="en-US" smtClean="0"/>
-              <a:t>2017/1/10</a:t>
+              <a:t>2017/1/13</a:t>
             </a:fld>
             <a:endParaRPr lang="zh-TW" altLang="en-US"/>
           </a:p>
@@ -1836,7 +2273,7 @@
           <a:p>
             <a:fld id="{F077C069-B739-4FEE-B1C2-9AE1A20352D7}" type="datetimeFigureOut">
               <a:rPr lang="zh-TW" altLang="en-US" smtClean="0"/>
-              <a:t>2017/1/10</a:t>
+              <a:t>2017/1/13</a:t>
             </a:fld>
             <a:endParaRPr lang="zh-TW" altLang="en-US"/>
           </a:p>
@@ -2113,7 +2550,7 @@
           <a:p>
             <a:fld id="{F077C069-B739-4FEE-B1C2-9AE1A20352D7}" type="datetimeFigureOut">
               <a:rPr lang="zh-TW" altLang="en-US" smtClean="0"/>
-              <a:t>2017/1/10</a:t>
+              <a:t>2017/1/13</a:t>
             </a:fld>
             <a:endParaRPr lang="zh-TW" altLang="en-US"/>
           </a:p>
@@ -2366,7 +2803,7 @@
           <a:p>
             <a:fld id="{F077C069-B739-4FEE-B1C2-9AE1A20352D7}" type="datetimeFigureOut">
               <a:rPr lang="zh-TW" altLang="en-US" smtClean="0"/>
-              <a:t>2017/1/10</a:t>
+              <a:t>2017/1/13</a:t>
             </a:fld>
             <a:endParaRPr lang="zh-TW" altLang="en-US"/>
           </a:p>
@@ -2579,7 +3016,7 @@
           <a:p>
             <a:fld id="{F077C069-B739-4FEE-B1C2-9AE1A20352D7}" type="datetimeFigureOut">
               <a:rPr lang="zh-TW" altLang="en-US" smtClean="0"/>
-              <a:t>2017/1/10</a:t>
+              <a:t>2017/1/13</a:t>
             </a:fld>
             <a:endParaRPr lang="zh-TW" altLang="en-US"/>
           </a:p>
@@ -2986,14 +3423,74 @@
       </p:grpSpPr>
       <p:sp>
         <p:nvSpPr>
+          <p:cNvPr id="41" name="Flowchart: Data 40"/>
+          <p:cNvSpPr/>
+          <p:nvPr/>
+        </p:nvSpPr>
+        <p:spPr>
+          <a:xfrm>
+            <a:off x="3988434" y="444500"/>
+            <a:ext cx="4326529" cy="732791"/>
+          </a:xfrm>
+          <a:prstGeom prst="flowChartInputOutput">
+            <a:avLst/>
+          </a:prstGeom>
+        </p:spPr>
+        <p:style>
+          <a:lnRef idx="2">
+            <a:schemeClr val="accent5">
+              <a:shade val="50000"/>
+            </a:schemeClr>
+          </a:lnRef>
+          <a:fillRef idx="1">
+            <a:schemeClr val="accent5"/>
+          </a:fillRef>
+          <a:effectRef idx="0">
+            <a:schemeClr val="accent5"/>
+          </a:effectRef>
+          <a:fontRef idx="minor">
+            <a:schemeClr val="lt1"/>
+          </a:fontRef>
+        </p:style>
+        <p:txBody>
+          <a:bodyPr rot="0" spcFirstLastPara="0" vert="horz" wrap="square" lIns="91440" tIns="45720" rIns="91440" bIns="45720" numCol="1" spcCol="0" rtlCol="0" fromWordArt="0" anchor="ctr" anchorCtr="0" forceAA="0" compatLnSpc="1">
+            <a:prstTxWarp prst="textNoShape">
+              <a:avLst/>
+            </a:prstTxWarp>
+            <a:noAutofit/>
+          </a:bodyPr>
+          <a:lstStyle/>
+          <a:p>
+            <a:pPr marL="0" marR="0" algn="ctr">
+              <a:spcBef>
+                <a:spcPts val="0"/>
+              </a:spcBef>
+              <a:spcAft>
+                <a:spcPts val="0"/>
+              </a:spcAft>
+            </a:pPr>
+            <a:endParaRPr lang="en-US" sz="2400" dirty="0">
+              <a:solidFill>
+                <a:srgbClr val="00000A"/>
+              </a:solidFill>
+              <a:effectLst/>
+              <a:latin typeface="Liberation Serif"/>
+              <a:ea typeface="PMingLiU" panose="02020500000000000000" pitchFamily="18" charset="-120"/>
+              <a:cs typeface="Mangal" panose="02040503050203030202" pitchFamily="18" charset="0"/>
+            </a:endParaRPr>
+          </a:p>
+        </p:txBody>
+      </p:sp>
+      <p:sp>
+        <p:nvSpPr>
           <p:cNvPr id="24" name="Rectangle 23"/>
           <p:cNvSpPr/>
           <p:nvPr/>
         </p:nvSpPr>
         <p:spPr>
           <a:xfrm>
-            <a:off x="7938864" y="1834734"/>
-            <a:ext cx="2998829" cy="2897204"/>
+            <a:off x="7456265" y="2063334"/>
+            <a:ext cx="3834036" cy="3334166"/>
           </a:xfrm>
           <a:prstGeom prst="rect">
             <a:avLst/>
@@ -3031,7 +3528,7 @@
           <p:nvPr/>
         </p:nvPicPr>
         <p:blipFill>
-          <a:blip r:embed="rId2" cstate="print">
+          <a:blip r:embed="rId3" cstate="print">
             <a:extLst>
               <a:ext uri="{28A0092B-C50C-407E-A947-70E740481C1C}">
                 <a14:useLocalDpi xmlns:a14="http://schemas.microsoft.com/office/drawing/2010/main" val="0"/>
@@ -3045,8 +3542,8 @@
         </p:blipFill>
         <p:spPr bwMode="auto">
           <a:xfrm>
-            <a:off x="8189111" y="2073873"/>
-            <a:ext cx="2305050" cy="2567940"/>
+            <a:off x="7963216" y="2267023"/>
+            <a:ext cx="2886437" cy="3074515"/>
           </a:xfrm>
           <a:prstGeom prst="rect">
             <a:avLst/>
@@ -3068,8 +3565,8 @@
         </p:nvSpPr>
         <p:spPr>
           <a:xfrm>
-            <a:off x="2220958" y="1923783"/>
-            <a:ext cx="3681822" cy="410845"/>
+            <a:off x="2235925" y="2012540"/>
+            <a:ext cx="3681822" cy="743217"/>
           </a:xfrm>
           <a:prstGeom prst="roundRect">
             <a:avLst/>
@@ -3093,7 +3590,7 @@
           <a:bodyPr wrap="square" rtlCol="0" anchor="ctr"/>
           <a:lstStyle/>
           <a:p>
-            <a:pPr marL="0" marR="0">
+            <a:pPr marL="0" marR="0" algn="ctr">
               <a:spcBef>
                 <a:spcPts val="0"/>
               </a:spcBef>
@@ -3102,7 +3599,7 @@
               </a:spcAft>
             </a:pPr>
             <a:r>
-              <a:rPr lang="en-US" sz="1400" b="1" i="1" kern="1200" dirty="0" err="1">
+              <a:rPr lang="en-US" sz="2400" b="1" i="1" kern="1200" dirty="0" err="1">
                 <a:solidFill>
                   <a:srgbClr val="FFFFFF"/>
                 </a:solidFill>
@@ -3113,7 +3610,7 @@
               <a:t>Imidacloprid</a:t>
             </a:r>
             <a:r>
-              <a:rPr lang="en-US" sz="1400" b="1" i="1" kern="1200" dirty="0">
+              <a:rPr lang="en-US" sz="2400" b="1" i="1" kern="1200" dirty="0">
                 <a:solidFill>
                   <a:srgbClr val="FFFFFF"/>
                 </a:solidFill>
@@ -3123,7 +3620,7 @@
               </a:rPr>
               <a:t> exposure dose and mortality rate</a:t>
             </a:r>
-            <a:endParaRPr lang="en-US" sz="1400" dirty="0">
+            <a:endParaRPr lang="en-US" sz="2400" dirty="0">
               <a:effectLst/>
               <a:latin typeface="Times New Roman" panose="02020603050405020304" pitchFamily="18" charset="0"/>
               <a:ea typeface="PMingLiU" panose="02020500000000000000" pitchFamily="18" charset="-120"/>
@@ -3133,14 +3630,94 @@
       </p:sp>
       <p:sp>
         <p:nvSpPr>
-          <p:cNvPr id="4" name="Flowchart: Data 3"/>
+          <p:cNvPr id="6" name="Flowchart: Terminator 5"/>
           <p:cNvSpPr/>
           <p:nvPr/>
         </p:nvSpPr>
         <p:spPr>
           <a:xfrm>
-            <a:off x="4354344" y="722631"/>
-            <a:ext cx="3230095" cy="607060"/>
+            <a:off x="1343659" y="3378192"/>
+            <a:ext cx="5461000" cy="1051940"/>
+          </a:xfrm>
+          <a:prstGeom prst="flowChartTerminator">
+            <a:avLst/>
+          </a:prstGeom>
+        </p:spPr>
+        <p:style>
+          <a:lnRef idx="1">
+            <a:schemeClr val="accent2"/>
+          </a:lnRef>
+          <a:fillRef idx="3">
+            <a:schemeClr val="accent2"/>
+          </a:fillRef>
+          <a:effectRef idx="2">
+            <a:schemeClr val="accent2"/>
+          </a:effectRef>
+          <a:fontRef idx="minor">
+            <a:schemeClr val="lt1"/>
+          </a:fontRef>
+        </p:style>
+        <p:txBody>
+          <a:bodyPr rot="0" spcFirstLastPara="0" vert="horz" wrap="square" lIns="91440" tIns="45720" rIns="91440" bIns="45720" numCol="1" spcCol="0" rtlCol="0" fromWordArt="0" anchor="ctr" anchorCtr="0" forceAA="0" compatLnSpc="1">
+            <a:prstTxWarp prst="textNoShape">
+              <a:avLst/>
+            </a:prstTxWarp>
+            <a:noAutofit/>
+          </a:bodyPr>
+          <a:lstStyle/>
+          <a:p>
+            <a:pPr marL="0" marR="0" algn="ctr">
+              <a:spcBef>
+                <a:spcPts val="0"/>
+              </a:spcBef>
+              <a:spcAft>
+                <a:spcPts val="0"/>
+              </a:spcAft>
+            </a:pPr>
+            <a:r>
+              <a:rPr lang="en-US" sz="2400" b="1" i="1" kern="1200" dirty="0" err="1">
+                <a:solidFill>
+                  <a:srgbClr val="FFFFFF"/>
+                </a:solidFill>
+                <a:effectLst/>
+                <a:ea typeface="PMingLiU" panose="02020500000000000000" pitchFamily="18" charset="-120"/>
+                <a:cs typeface="Times New Roman" panose="02020603050405020304" pitchFamily="18" charset="0"/>
+              </a:rPr>
+              <a:t>Imidacloprid</a:t>
+            </a:r>
+            <a:r>
+              <a:rPr lang="en-US" sz="2400" b="1" i="1" kern="1200" dirty="0">
+                <a:solidFill>
+                  <a:srgbClr val="FFFFFF"/>
+                </a:solidFill>
+                <a:effectLst/>
+                <a:ea typeface="PMingLiU" panose="02020500000000000000" pitchFamily="18" charset="-120"/>
+                <a:cs typeface="Times New Roman" panose="02020603050405020304" pitchFamily="18" charset="0"/>
+              </a:rPr>
+              <a:t>-induced mortality risk in short (10 day) and mid (30 day) term</a:t>
+            </a:r>
+            <a:endParaRPr lang="en-US" sz="2400" dirty="0">
+              <a:solidFill>
+                <a:srgbClr val="00000A"/>
+              </a:solidFill>
+              <a:effectLst/>
+              <a:latin typeface="Liberation Serif"/>
+              <a:ea typeface="PMingLiU" panose="02020500000000000000" pitchFamily="18" charset="-120"/>
+              <a:cs typeface="Mangal" panose="02040503050203030202" pitchFamily="18" charset="0"/>
+            </a:endParaRPr>
+          </a:p>
+        </p:txBody>
+      </p:sp>
+      <p:sp>
+        <p:nvSpPr>
+          <p:cNvPr id="7" name="Flowchart: Data 6"/>
+          <p:cNvSpPr/>
+          <p:nvPr/>
+        </p:nvSpPr>
+        <p:spPr>
+          <a:xfrm>
+            <a:off x="7687671" y="431800"/>
+            <a:ext cx="4326529" cy="732791"/>
           </a:xfrm>
           <a:prstGeom prst="flowChartInputOutput">
             <a:avLst/>
@@ -3179,29 +3756,7 @@
                 <a:spcPts val="0"/>
               </a:spcAft>
             </a:pPr>
-            <a:r>
-              <a:rPr lang="en-US" sz="1400" b="1" i="1" kern="1200" dirty="0">
-                <a:solidFill>
-                  <a:srgbClr val="FFFFFF"/>
-                </a:solidFill>
-                <a:effectLst/>
-                <a:ea typeface="PMingLiU" panose="02020500000000000000" pitchFamily="18" charset="-120"/>
-                <a:cs typeface="Times New Roman" panose="02020603050405020304" pitchFamily="18" charset="0"/>
-              </a:rPr>
-              <a:t>Environmental pesticides </a:t>
-            </a:r>
-            <a:r>
-              <a:rPr lang="en-US" sz="1400" b="1" i="1" kern="1200" dirty="0" smtClean="0">
-                <a:solidFill>
-                  <a:srgbClr val="FFFFFF"/>
-                </a:solidFill>
-                <a:effectLst/>
-                <a:ea typeface="PMingLiU" panose="02020500000000000000" pitchFamily="18" charset="-120"/>
-                <a:cs typeface="Times New Roman" panose="02020603050405020304" pitchFamily="18" charset="0"/>
-              </a:rPr>
-              <a:t>investigation</a:t>
-            </a:r>
-            <a:endParaRPr lang="en-US" sz="1400" dirty="0">
+            <a:endParaRPr lang="en-US" sz="2400" dirty="0">
               <a:solidFill>
                 <a:srgbClr val="00000A"/>
               </a:solidFill>
@@ -3215,441 +3770,14 @@
       </p:sp>
       <p:sp>
         <p:nvSpPr>
-          <p:cNvPr id="5" name="Flowchart: Data 4"/>
-          <p:cNvSpPr/>
-          <p:nvPr/>
-        </p:nvSpPr>
-        <p:spPr>
-          <a:xfrm>
-            <a:off x="2500006" y="724853"/>
-            <a:ext cx="2012950" cy="607060"/>
-          </a:xfrm>
-          <a:prstGeom prst="flowChartInputOutput">
-            <a:avLst/>
-          </a:prstGeom>
-        </p:spPr>
-        <p:style>
-          <a:lnRef idx="2">
-            <a:schemeClr val="accent5">
-              <a:shade val="50000"/>
-            </a:schemeClr>
-          </a:lnRef>
-          <a:fillRef idx="1">
-            <a:schemeClr val="accent5"/>
-          </a:fillRef>
-          <a:effectRef idx="0">
-            <a:schemeClr val="accent5"/>
-          </a:effectRef>
-          <a:fontRef idx="minor">
-            <a:schemeClr val="lt1"/>
-          </a:fontRef>
-        </p:style>
-        <p:txBody>
-          <a:bodyPr rot="0" spcFirstLastPara="0" vert="horz" wrap="square" lIns="91440" tIns="45720" rIns="91440" bIns="45720" numCol="1" spcCol="0" rtlCol="0" fromWordArt="0" anchor="ctr" anchorCtr="0" forceAA="0" compatLnSpc="1">
-            <a:prstTxWarp prst="textNoShape">
-              <a:avLst/>
-            </a:prstTxWarp>
-            <a:noAutofit/>
-          </a:bodyPr>
-          <a:lstStyle/>
-          <a:p>
-            <a:pPr marL="0" marR="0" algn="ctr">
-              <a:spcBef>
-                <a:spcPts val="0"/>
-              </a:spcBef>
-              <a:spcAft>
-                <a:spcPts val="0"/>
-              </a:spcAft>
-            </a:pPr>
-            <a:r>
-              <a:rPr lang="en-US" sz="1400" b="1" i="1" kern="1200" dirty="0">
-                <a:solidFill>
-                  <a:srgbClr val="FFFFFF"/>
-                </a:solidFill>
-                <a:effectLst/>
-                <a:ea typeface="PMingLiU" panose="02020500000000000000" pitchFamily="18" charset="-120"/>
-                <a:cs typeface="Times New Roman" panose="02020603050405020304" pitchFamily="18" charset="0"/>
-              </a:rPr>
-              <a:t>Experimental bioassay </a:t>
-            </a:r>
-            <a:endParaRPr lang="en-US" sz="1400" dirty="0">
-              <a:solidFill>
-                <a:srgbClr val="00000A"/>
-              </a:solidFill>
-              <a:effectLst/>
-              <a:latin typeface="Liberation Serif"/>
-              <a:ea typeface="PMingLiU" panose="02020500000000000000" pitchFamily="18" charset="-120"/>
-              <a:cs typeface="Mangal" panose="02040503050203030202" pitchFamily="18" charset="0"/>
-            </a:endParaRPr>
-          </a:p>
-        </p:txBody>
-      </p:sp>
-      <p:sp>
-        <p:nvSpPr>
-          <p:cNvPr id="6" name="Flowchart: Terminator 5"/>
-          <p:cNvSpPr/>
-          <p:nvPr/>
-        </p:nvSpPr>
-        <p:spPr>
-          <a:xfrm>
-            <a:off x="2529412" y="3270107"/>
-            <a:ext cx="3397860" cy="743585"/>
-          </a:xfrm>
-          <a:prstGeom prst="flowChartTerminator">
-            <a:avLst/>
-          </a:prstGeom>
-        </p:spPr>
-        <p:style>
-          <a:lnRef idx="1">
-            <a:schemeClr val="accent2"/>
-          </a:lnRef>
-          <a:fillRef idx="3">
-            <a:schemeClr val="accent2"/>
-          </a:fillRef>
-          <a:effectRef idx="2">
-            <a:schemeClr val="accent2"/>
-          </a:effectRef>
-          <a:fontRef idx="minor">
-            <a:schemeClr val="lt1"/>
-          </a:fontRef>
-        </p:style>
-        <p:txBody>
-          <a:bodyPr rot="0" spcFirstLastPara="0" vert="horz" wrap="square" lIns="91440" tIns="45720" rIns="91440" bIns="45720" numCol="1" spcCol="0" rtlCol="0" fromWordArt="0" anchor="ctr" anchorCtr="0" forceAA="0" compatLnSpc="1">
-            <a:prstTxWarp prst="textNoShape">
-              <a:avLst/>
-            </a:prstTxWarp>
-            <a:noAutofit/>
-          </a:bodyPr>
-          <a:lstStyle/>
-          <a:p>
-            <a:pPr marL="0" marR="0" algn="ctr">
-              <a:spcBef>
-                <a:spcPts val="0"/>
-              </a:spcBef>
-              <a:spcAft>
-                <a:spcPts val="0"/>
-              </a:spcAft>
-            </a:pPr>
-            <a:r>
-              <a:rPr lang="en-US" sz="1400" b="1" i="1" kern="1200" dirty="0" err="1">
-                <a:solidFill>
-                  <a:srgbClr val="FFFFFF"/>
-                </a:solidFill>
-                <a:effectLst/>
-                <a:ea typeface="PMingLiU" panose="02020500000000000000" pitchFamily="18" charset="-120"/>
-                <a:cs typeface="Times New Roman" panose="02020603050405020304" pitchFamily="18" charset="0"/>
-              </a:rPr>
-              <a:t>Imidacloprid</a:t>
-            </a:r>
-            <a:r>
-              <a:rPr lang="en-US" sz="1400" b="1" i="1" kern="1200" dirty="0">
-                <a:solidFill>
-                  <a:srgbClr val="FFFFFF"/>
-                </a:solidFill>
-                <a:effectLst/>
-                <a:ea typeface="PMingLiU" panose="02020500000000000000" pitchFamily="18" charset="-120"/>
-                <a:cs typeface="Times New Roman" panose="02020603050405020304" pitchFamily="18" charset="0"/>
-              </a:rPr>
-              <a:t>-induced mortality risk in short (10 day) and mid (30 day) term</a:t>
-            </a:r>
-            <a:endParaRPr lang="en-US" sz="1400" dirty="0">
-              <a:solidFill>
-                <a:srgbClr val="00000A"/>
-              </a:solidFill>
-              <a:effectLst/>
-              <a:latin typeface="Liberation Serif"/>
-              <a:ea typeface="PMingLiU" panose="02020500000000000000" pitchFamily="18" charset="-120"/>
-              <a:cs typeface="Mangal" panose="02040503050203030202" pitchFamily="18" charset="0"/>
-            </a:endParaRPr>
-          </a:p>
-        </p:txBody>
-      </p:sp>
-      <p:sp>
-        <p:nvSpPr>
-          <p:cNvPr id="7" name="Flowchart: Data 6"/>
-          <p:cNvSpPr/>
-          <p:nvPr/>
-        </p:nvSpPr>
-        <p:spPr>
-          <a:xfrm>
-            <a:off x="7865471" y="722631"/>
-            <a:ext cx="3113043" cy="607060"/>
-          </a:xfrm>
-          <a:prstGeom prst="flowChartInputOutput">
-            <a:avLst/>
-          </a:prstGeom>
-        </p:spPr>
-        <p:style>
-          <a:lnRef idx="2">
-            <a:schemeClr val="accent5">
-              <a:shade val="50000"/>
-            </a:schemeClr>
-          </a:lnRef>
-          <a:fillRef idx="1">
-            <a:schemeClr val="accent5"/>
-          </a:fillRef>
-          <a:effectRef idx="0">
-            <a:schemeClr val="accent5"/>
-          </a:effectRef>
-          <a:fontRef idx="minor">
-            <a:schemeClr val="lt1"/>
-          </a:fontRef>
-        </p:style>
-        <p:txBody>
-          <a:bodyPr rot="0" spcFirstLastPara="0" vert="horz" wrap="square" lIns="91440" tIns="45720" rIns="91440" bIns="45720" numCol="1" spcCol="0" rtlCol="0" fromWordArt="0" anchor="ctr" anchorCtr="0" forceAA="0" compatLnSpc="1">
-            <a:prstTxWarp prst="textNoShape">
-              <a:avLst/>
-            </a:prstTxWarp>
-            <a:noAutofit/>
-          </a:bodyPr>
-          <a:lstStyle/>
-          <a:p>
-            <a:pPr marL="0" marR="0" algn="ctr">
-              <a:spcBef>
-                <a:spcPts val="0"/>
-              </a:spcBef>
-              <a:spcAft>
-                <a:spcPts val="0"/>
-              </a:spcAft>
-            </a:pPr>
-            <a:r>
-              <a:rPr lang="en-US" sz="1400" b="1" i="1" kern="1200" dirty="0" smtClean="0">
-                <a:solidFill>
-                  <a:srgbClr val="FFFFFF"/>
-                </a:solidFill>
-                <a:effectLst/>
-                <a:ea typeface="PMingLiU" panose="02020500000000000000" pitchFamily="18" charset="-120"/>
-                <a:cs typeface="Times New Roman" panose="02020603050405020304" pitchFamily="18" charset="0"/>
-              </a:rPr>
-              <a:t>Seasonality of </a:t>
-            </a:r>
-            <a:r>
-              <a:rPr lang="en-US" sz="1400" b="1" i="1" dirty="0">
-                <a:solidFill>
-                  <a:srgbClr val="FFFFFF"/>
-                </a:solidFill>
-                <a:ea typeface="PMingLiU" panose="02020500000000000000" pitchFamily="18" charset="-120"/>
-                <a:cs typeface="Times New Roman" panose="02020603050405020304" pitchFamily="18" charset="0"/>
-              </a:rPr>
-              <a:t> </a:t>
-            </a:r>
-            <a:r>
-              <a:rPr lang="en-US" sz="1400" b="1" i="1" dirty="0" smtClean="0">
-                <a:solidFill>
-                  <a:srgbClr val="FFFFFF"/>
-                </a:solidFill>
-                <a:ea typeface="PMingLiU" panose="02020500000000000000" pitchFamily="18" charset="-120"/>
-                <a:cs typeface="Times New Roman" panose="02020603050405020304" pitchFamily="18" charset="0"/>
-              </a:rPr>
-              <a:t>Parameter Rate </a:t>
-            </a:r>
-            <a:r>
-              <a:rPr lang="en-US" sz="1400" b="1" i="1" dirty="0">
-                <a:solidFill>
-                  <a:srgbClr val="FFFFFF"/>
-                </a:solidFill>
-                <a:ea typeface="PMingLiU" panose="02020500000000000000" pitchFamily="18" charset="-120"/>
-                <a:cs typeface="Times New Roman" panose="02020603050405020304" pitchFamily="18" charset="0"/>
-              </a:rPr>
-              <a:t>R</a:t>
-            </a:r>
-            <a:r>
-              <a:rPr lang="en-US" sz="1400" b="1" i="1" dirty="0" smtClean="0">
-                <a:solidFill>
-                  <a:srgbClr val="FFFFFF"/>
-                </a:solidFill>
-                <a:ea typeface="PMingLiU" panose="02020500000000000000" pitchFamily="18" charset="-120"/>
-                <a:cs typeface="Times New Roman" panose="02020603050405020304" pitchFamily="18" charset="0"/>
-              </a:rPr>
-              <a:t>atios</a:t>
-            </a:r>
-            <a:endParaRPr lang="en-US" sz="1400" dirty="0">
-              <a:solidFill>
-                <a:srgbClr val="00000A"/>
-              </a:solidFill>
-              <a:effectLst/>
-              <a:latin typeface="Liberation Serif"/>
-              <a:ea typeface="PMingLiU" panose="02020500000000000000" pitchFamily="18" charset="-120"/>
-              <a:cs typeface="Mangal" panose="02040503050203030202" pitchFamily="18" charset="0"/>
-            </a:endParaRPr>
-          </a:p>
-        </p:txBody>
-      </p:sp>
-      <p:cxnSp>
-        <p:nvCxnSpPr>
-          <p:cNvPr id="9" name="Straight Arrow Connector 8"/>
-          <p:cNvCxnSpPr>
-            <a:stCxn id="5" idx="4"/>
-          </p:cNvCxnSpPr>
-          <p:nvPr/>
-        </p:nvCxnSpPr>
-        <p:spPr>
-          <a:xfrm>
-            <a:off x="3506481" y="1331913"/>
-            <a:ext cx="6923" cy="586664"/>
-          </a:xfrm>
-          <a:prstGeom prst="straightConnector1">
-            <a:avLst/>
-          </a:prstGeom>
-          <a:ln w="25400">
-            <a:tailEnd type="triangle"/>
-          </a:ln>
-        </p:spPr>
-        <p:style>
-          <a:lnRef idx="3">
-            <a:schemeClr val="accent4"/>
-          </a:lnRef>
-          <a:fillRef idx="0">
-            <a:schemeClr val="accent4"/>
-          </a:fillRef>
-          <a:effectRef idx="2">
-            <a:schemeClr val="accent4"/>
-          </a:effectRef>
-          <a:fontRef idx="minor">
-            <a:schemeClr val="tx1"/>
-          </a:fontRef>
-        </p:style>
-      </p:cxnSp>
-      <p:cxnSp>
-        <p:nvCxnSpPr>
-          <p:cNvPr id="11" name="Straight Arrow Connector 10"/>
-          <p:cNvCxnSpPr/>
-          <p:nvPr/>
-        </p:nvCxnSpPr>
-        <p:spPr>
-          <a:xfrm flipH="1">
-            <a:off x="4217034" y="2364290"/>
-            <a:ext cx="0" cy="893944"/>
-          </a:xfrm>
-          <a:prstGeom prst="straightConnector1">
-            <a:avLst/>
-          </a:prstGeom>
-          <a:ln w="25400">
-            <a:tailEnd type="triangle"/>
-          </a:ln>
-        </p:spPr>
-        <p:style>
-          <a:lnRef idx="3">
-            <a:schemeClr val="accent4"/>
-          </a:lnRef>
-          <a:fillRef idx="0">
-            <a:schemeClr val="accent4"/>
-          </a:fillRef>
-          <a:effectRef idx="2">
-            <a:schemeClr val="accent4"/>
-          </a:effectRef>
-          <a:fontRef idx="minor">
-            <a:schemeClr val="tx1"/>
-          </a:fontRef>
-        </p:style>
-      </p:cxnSp>
-      <p:cxnSp>
-        <p:nvCxnSpPr>
-          <p:cNvPr id="13" name="Elbow Connector 12"/>
-          <p:cNvCxnSpPr>
-            <a:stCxn id="4" idx="4"/>
-          </p:cNvCxnSpPr>
-          <p:nvPr/>
-        </p:nvCxnSpPr>
-        <p:spPr>
-          <a:xfrm rot="5400000">
-            <a:off x="4328683" y="1239490"/>
-            <a:ext cx="1550508" cy="1730910"/>
-          </a:xfrm>
-          <a:prstGeom prst="bentConnector2">
-            <a:avLst/>
-          </a:prstGeom>
-          <a:ln w="25400">
-            <a:tailEnd type="triangle"/>
-          </a:ln>
-        </p:spPr>
-        <p:style>
-          <a:lnRef idx="3">
-            <a:schemeClr val="accent4"/>
-          </a:lnRef>
-          <a:fillRef idx="0">
-            <a:schemeClr val="accent4"/>
-          </a:fillRef>
-          <a:effectRef idx="2">
-            <a:schemeClr val="accent4"/>
-          </a:effectRef>
-          <a:fontRef idx="minor">
-            <a:schemeClr val="tx1"/>
-          </a:fontRef>
-        </p:style>
-      </p:cxnSp>
-      <p:sp>
-        <p:nvSpPr>
-          <p:cNvPr id="22" name="Flowchart: Terminator 21"/>
-          <p:cNvSpPr/>
-          <p:nvPr/>
-        </p:nvSpPr>
-        <p:spPr>
-          <a:xfrm>
-            <a:off x="7898925" y="5050253"/>
-            <a:ext cx="3048708" cy="743585"/>
-          </a:xfrm>
-          <a:prstGeom prst="flowChartTerminator">
-            <a:avLst/>
-          </a:prstGeom>
-        </p:spPr>
-        <p:style>
-          <a:lnRef idx="1">
-            <a:schemeClr val="accent2"/>
-          </a:lnRef>
-          <a:fillRef idx="3">
-            <a:schemeClr val="accent2"/>
-          </a:fillRef>
-          <a:effectRef idx="2">
-            <a:schemeClr val="accent2"/>
-          </a:effectRef>
-          <a:fontRef idx="minor">
-            <a:schemeClr val="lt1"/>
-          </a:fontRef>
-        </p:style>
-        <p:txBody>
-          <a:bodyPr rot="0" spcFirstLastPara="0" vert="horz" wrap="square" lIns="91440" tIns="45720" rIns="91440" bIns="45720" numCol="1" spcCol="0" rtlCol="0" fromWordArt="0" anchor="ctr" anchorCtr="0" forceAA="0" compatLnSpc="1">
-            <a:prstTxWarp prst="textNoShape">
-              <a:avLst/>
-            </a:prstTxWarp>
-            <a:noAutofit/>
-          </a:bodyPr>
-          <a:lstStyle/>
-          <a:p>
-            <a:pPr algn="ctr"/>
-            <a:r>
-              <a:rPr lang="en-US" sz="1400" b="1" i="1" dirty="0" err="1">
-                <a:solidFill>
-                  <a:srgbClr val="FFFFFF"/>
-                </a:solidFill>
-                <a:ea typeface="PMingLiU" panose="02020500000000000000" pitchFamily="18" charset="-120"/>
-                <a:cs typeface="Times New Roman" panose="02020603050405020304" pitchFamily="18" charset="0"/>
-              </a:rPr>
-              <a:t>Imidacloprid</a:t>
-            </a:r>
-            <a:r>
-              <a:rPr lang="en-US" sz="1400" b="1" i="1" dirty="0">
-                <a:solidFill>
-                  <a:srgbClr val="FFFFFF"/>
-                </a:solidFill>
-                <a:ea typeface="PMingLiU" panose="02020500000000000000" pitchFamily="18" charset="-120"/>
-                <a:cs typeface="Times New Roman" panose="02020603050405020304" pitchFamily="18" charset="0"/>
-              </a:rPr>
-              <a:t>-induced population extinction risk in long term period</a:t>
-            </a:r>
-          </a:p>
-        </p:txBody>
-      </p:sp>
-      <p:sp>
-        <p:nvSpPr>
           <p:cNvPr id="23" name="Rounded Rectangle 22"/>
           <p:cNvSpPr/>
           <p:nvPr/>
         </p:nvSpPr>
         <p:spPr>
           <a:xfrm>
-            <a:off x="8079812" y="1577272"/>
-            <a:ext cx="2680042" cy="410845"/>
+            <a:off x="7584512" y="1583206"/>
+            <a:ext cx="3540688" cy="690094"/>
           </a:xfrm>
           <a:prstGeom prst="roundRect">
             <a:avLst/>
@@ -3673,7 +3801,7 @@
           <a:bodyPr wrap="square" rtlCol="0" anchor="ctr"/>
           <a:lstStyle/>
           <a:p>
-            <a:pPr marL="0" marR="0">
+            <a:pPr marL="0" marR="0" algn="ctr">
               <a:spcBef>
                 <a:spcPts val="0"/>
               </a:spcBef>
@@ -3682,7 +3810,7 @@
               </a:spcAft>
             </a:pPr>
             <a:r>
-              <a:rPr lang="en-US" sz="1400" b="1" i="1" kern="1200" dirty="0" smtClean="0">
+              <a:rPr lang="en-US" sz="2400" b="1" i="1" kern="1200" dirty="0" smtClean="0">
                 <a:solidFill>
                   <a:srgbClr val="FFFFFF"/>
                 </a:solidFill>
@@ -3692,7 +3820,7 @@
               </a:rPr>
               <a:t>Bee colony population dynamics</a:t>
             </a:r>
-            <a:endParaRPr lang="en-US" sz="1400" dirty="0">
+            <a:endParaRPr lang="en-US" sz="2400" dirty="0">
               <a:effectLst/>
               <a:latin typeface="Times New Roman" panose="02020603050405020304" pitchFamily="18" charset="0"/>
               <a:ea typeface="PMingLiU" panose="02020500000000000000" pitchFamily="18" charset="-120"/>
@@ -3703,26 +3831,18 @@
       <p:cxnSp>
         <p:nvCxnSpPr>
           <p:cNvPr id="25" name="Straight Arrow Connector 24"/>
-          <p:cNvCxnSpPr>
-            <a:stCxn id="7" idx="4"/>
-            <a:endCxn id="23" idx="0"/>
-          </p:cNvCxnSpPr>
+          <p:cNvCxnSpPr/>
           <p:nvPr/>
         </p:nvCxnSpPr>
         <p:spPr>
           <a:xfrm flipH="1">
-            <a:off x="9419833" y="1329691"/>
-            <a:ext cx="2160" cy="247581"/>
+            <a:off x="9354856" y="1228090"/>
+            <a:ext cx="780" cy="288000"/>
           </a:xfrm>
           <a:prstGeom prst="straightConnector1">
             <a:avLst/>
           </a:prstGeom>
-          <a:ln w="25400">
-            <a:solidFill>
-              <a:schemeClr val="accent2">
-                <a:lumMod val="75000"/>
-              </a:schemeClr>
-            </a:solidFill>
+          <a:ln w="38100">
             <a:tailEnd type="triangle"/>
           </a:ln>
         </p:spPr>
@@ -3741,132 +3861,6 @@
           </a:fontRef>
         </p:style>
       </p:cxnSp>
-      <p:cxnSp>
-        <p:nvCxnSpPr>
-          <p:cNvPr id="28" name="Elbow Connector 27"/>
-          <p:cNvCxnSpPr>
-            <a:stCxn id="4" idx="5"/>
-            <a:endCxn id="24" idx="1"/>
-          </p:cNvCxnSpPr>
-          <p:nvPr/>
-        </p:nvCxnSpPr>
-        <p:spPr>
-          <a:xfrm>
-            <a:off x="7261430" y="1026161"/>
-            <a:ext cx="677434" cy="2257175"/>
-          </a:xfrm>
-          <a:prstGeom prst="bentConnector3">
-            <a:avLst>
-              <a:gd name="adj1" fmla="val 50000"/>
-            </a:avLst>
-          </a:prstGeom>
-          <a:ln w="25400">
-            <a:solidFill>
-              <a:schemeClr val="accent2">
-                <a:lumMod val="75000"/>
-              </a:schemeClr>
-            </a:solidFill>
-            <a:tailEnd type="triangle"/>
-          </a:ln>
-        </p:spPr>
-        <p:style>
-          <a:lnRef idx="1">
-            <a:schemeClr val="accent1"/>
-          </a:lnRef>
-          <a:fillRef idx="0">
-            <a:schemeClr val="accent1"/>
-          </a:fillRef>
-          <a:effectRef idx="0">
-            <a:schemeClr val="accent1"/>
-          </a:effectRef>
-          <a:fontRef idx="minor">
-            <a:schemeClr val="tx1"/>
-          </a:fontRef>
-        </p:style>
-      </p:cxnSp>
-      <p:cxnSp>
-        <p:nvCxnSpPr>
-          <p:cNvPr id="36" name="Elbow Connector 35"/>
-          <p:cNvCxnSpPr>
-            <a:stCxn id="3" idx="1"/>
-          </p:cNvCxnSpPr>
-          <p:nvPr/>
-        </p:nvCxnSpPr>
-        <p:spPr>
-          <a:xfrm rot="10800000" flipH="1" flipV="1">
-            <a:off x="2220957" y="2129205"/>
-            <a:ext cx="5727349" cy="2154637"/>
-          </a:xfrm>
-          <a:prstGeom prst="bentConnector3">
-            <a:avLst>
-              <a:gd name="adj1" fmla="val -3991"/>
-            </a:avLst>
-          </a:prstGeom>
-          <a:ln w="25400">
-            <a:solidFill>
-              <a:schemeClr val="accent2">
-                <a:lumMod val="75000"/>
-              </a:schemeClr>
-            </a:solidFill>
-            <a:tailEnd type="triangle"/>
-          </a:ln>
-        </p:spPr>
-        <p:style>
-          <a:lnRef idx="1">
-            <a:schemeClr val="accent1"/>
-          </a:lnRef>
-          <a:fillRef idx="0">
-            <a:schemeClr val="accent1"/>
-          </a:fillRef>
-          <a:effectRef idx="0">
-            <a:schemeClr val="accent1"/>
-          </a:effectRef>
-          <a:fontRef idx="minor">
-            <a:schemeClr val="tx1"/>
-          </a:fontRef>
-        </p:style>
-      </p:cxnSp>
-      <p:cxnSp>
-        <p:nvCxnSpPr>
-          <p:cNvPr id="45" name="Straight Arrow Connector 44"/>
-          <p:cNvCxnSpPr>
-            <a:stCxn id="24" idx="2"/>
-            <a:endCxn id="22" idx="0"/>
-          </p:cNvCxnSpPr>
-          <p:nvPr/>
-        </p:nvCxnSpPr>
-        <p:spPr>
-          <a:xfrm flipH="1">
-            <a:off x="9423279" y="4731938"/>
-            <a:ext cx="15000" cy="318315"/>
-          </a:xfrm>
-          <a:prstGeom prst="straightConnector1">
-            <a:avLst/>
-          </a:prstGeom>
-          <a:ln w="25400">
-            <a:solidFill>
-              <a:schemeClr val="accent2">
-                <a:lumMod val="75000"/>
-              </a:schemeClr>
-            </a:solidFill>
-            <a:tailEnd type="triangle"/>
-          </a:ln>
-        </p:spPr>
-        <p:style>
-          <a:lnRef idx="1">
-            <a:schemeClr val="accent1"/>
-          </a:lnRef>
-          <a:fillRef idx="0">
-            <a:schemeClr val="accent1"/>
-          </a:fillRef>
-          <a:effectRef idx="0">
-            <a:schemeClr val="accent1"/>
-          </a:effectRef>
-          <a:fontRef idx="minor">
-            <a:schemeClr val="tx1"/>
-          </a:fontRef>
-        </p:style>
-      </p:cxnSp>
       <p:sp>
         <p:nvSpPr>
           <p:cNvPr id="49" name="TextBox 48"/>
@@ -3875,8 +3869,8 @@
         </p:nvSpPr>
         <p:spPr>
           <a:xfrm>
-            <a:off x="2729647" y="4718041"/>
-            <a:ext cx="1404262" cy="369332"/>
+            <a:off x="994512" y="5508303"/>
+            <a:ext cx="1913788" cy="461665"/>
           </a:xfrm>
           <a:prstGeom prst="rect">
             <a:avLst/>
@@ -3890,14 +3884,14 @@
           <a:lstStyle/>
           <a:p>
             <a:r>
-              <a:rPr lang="en-US" b="1" dirty="0" smtClean="0">
+              <a:rPr lang="en-US" sz="2400" b="1" dirty="0" smtClean="0">
                 <a:solidFill>
                   <a:schemeClr val="tx2"/>
                 </a:solidFill>
               </a:rPr>
               <a:t>Study Data</a:t>
             </a:r>
-            <a:endParaRPr lang="en-US" b="1" dirty="0">
+            <a:endParaRPr lang="en-US" sz="2400" b="1" dirty="0">
               <a:solidFill>
                 <a:schemeClr val="tx2"/>
               </a:solidFill>
@@ -3913,8 +3907,8 @@
         </p:nvSpPr>
         <p:spPr>
           <a:xfrm>
-            <a:off x="2725921" y="5020717"/>
-            <a:ext cx="2222409" cy="369332"/>
+            <a:off x="990786" y="5899879"/>
+            <a:ext cx="2844614" cy="461665"/>
           </a:xfrm>
           <a:prstGeom prst="rect">
             <a:avLst/>
@@ -3928,14 +3922,14 @@
           <a:lstStyle/>
           <a:p>
             <a:r>
-              <a:rPr lang="en-US" b="1" dirty="0" smtClean="0">
+              <a:rPr lang="en-US" sz="2400" b="1" dirty="0" smtClean="0">
                 <a:solidFill>
                   <a:schemeClr val="tx2"/>
                 </a:solidFill>
               </a:rPr>
               <a:t>Theoretical Model</a:t>
             </a:r>
-            <a:endParaRPr lang="en-US" b="1" dirty="0">
+            <a:endParaRPr lang="en-US" sz="2400" b="1" dirty="0">
               <a:solidFill>
                 <a:schemeClr val="tx2"/>
               </a:solidFill>
@@ -3951,8 +3945,8 @@
         </p:nvSpPr>
         <p:spPr>
           <a:xfrm>
-            <a:off x="2725921" y="5298001"/>
-            <a:ext cx="1714215" cy="369332"/>
+            <a:off x="990786" y="6304163"/>
+            <a:ext cx="2387414" cy="461665"/>
           </a:xfrm>
           <a:prstGeom prst="rect">
             <a:avLst/>
@@ -3966,14 +3960,14 @@
           <a:lstStyle/>
           <a:p>
             <a:r>
-              <a:rPr lang="en-US" b="1" dirty="0" smtClean="0">
+              <a:rPr lang="en-US" sz="2400" b="1" dirty="0" smtClean="0">
                 <a:solidFill>
                   <a:schemeClr val="tx2"/>
                 </a:solidFill>
               </a:rPr>
               <a:t>Estimated Risk</a:t>
             </a:r>
-            <a:endParaRPr lang="en-US" b="1" dirty="0">
+            <a:endParaRPr lang="en-US" sz="2400" b="1" dirty="0">
               <a:solidFill>
                 <a:schemeClr val="tx2"/>
               </a:solidFill>
@@ -3989,8 +3983,8 @@
         </p:nvSpPr>
         <p:spPr>
           <a:xfrm>
-            <a:off x="2268009" y="4811024"/>
-            <a:ext cx="457912" cy="182880"/>
+            <a:off x="393174" y="5626686"/>
+            <a:ext cx="612000" cy="288000"/>
           </a:xfrm>
           <a:prstGeom prst="flowChartInputOutput">
             <a:avLst/>
@@ -4052,8 +4046,8 @@
         </p:nvSpPr>
         <p:spPr>
           <a:xfrm>
-            <a:off x="2247801" y="5117124"/>
-            <a:ext cx="457200" cy="182880"/>
+            <a:off x="372966" y="6008985"/>
+            <a:ext cx="612000" cy="252000"/>
           </a:xfrm>
           <a:prstGeom prst="roundRect">
             <a:avLst/>
@@ -4101,8 +4095,8 @@
         </p:nvSpPr>
         <p:spPr>
           <a:xfrm>
-            <a:off x="2247801" y="5413730"/>
-            <a:ext cx="457200" cy="182880"/>
+            <a:off x="330200" y="6369091"/>
+            <a:ext cx="648000" cy="324000"/>
           </a:xfrm>
           <a:prstGeom prst="flowChartTerminator">
             <a:avLst/>
@@ -4151,6 +4145,479 @@
           </a:p>
         </p:txBody>
       </p:sp>
+      <p:sp>
+        <p:nvSpPr>
+          <p:cNvPr id="30" name="Rectangle 29"/>
+          <p:cNvSpPr/>
+          <p:nvPr/>
+        </p:nvSpPr>
+        <p:spPr>
+          <a:xfrm>
+            <a:off x="4306238" y="398740"/>
+            <a:ext cx="3323288" cy="830997"/>
+          </a:xfrm>
+          <a:prstGeom prst="rect">
+            <a:avLst/>
+          </a:prstGeom>
+        </p:spPr>
+        <p:txBody>
+          <a:bodyPr wrap="square">
+            <a:spAutoFit/>
+          </a:bodyPr>
+          <a:lstStyle/>
+          <a:p>
+            <a:pPr algn="ctr"/>
+            <a:r>
+              <a:rPr lang="en-US" altLang="zh-TW" sz="2400" b="1" i="1" dirty="0">
+                <a:solidFill>
+                  <a:srgbClr val="FFFFFF"/>
+                </a:solidFill>
+                <a:ea typeface="PMingLiU" panose="02020500000000000000" pitchFamily="18" charset="-120"/>
+                <a:cs typeface="Times New Roman" panose="02020603050405020304" pitchFamily="18" charset="0"/>
+              </a:rPr>
+              <a:t>Environmental pesticides </a:t>
+            </a:r>
+            <a:r>
+              <a:rPr lang="en-US" altLang="zh-TW" sz="2400" b="1" i="1" dirty="0" smtClean="0">
+                <a:solidFill>
+                  <a:srgbClr val="FFFFFF"/>
+                </a:solidFill>
+                <a:ea typeface="PMingLiU" panose="02020500000000000000" pitchFamily="18" charset="-120"/>
+                <a:cs typeface="Times New Roman" panose="02020603050405020304" pitchFamily="18" charset="0"/>
+              </a:rPr>
+              <a:t>investigation</a:t>
+            </a:r>
+            <a:endParaRPr lang="en-US" altLang="zh-TW" sz="2400" dirty="0">
+              <a:solidFill>
+                <a:srgbClr val="00000A"/>
+              </a:solidFill>
+              <a:latin typeface="Liberation Serif"/>
+              <a:ea typeface="PMingLiU" panose="02020500000000000000" pitchFamily="18" charset="-120"/>
+              <a:cs typeface="Mangal" panose="02040503050203030202" pitchFamily="18" charset="0"/>
+            </a:endParaRPr>
+          </a:p>
+        </p:txBody>
+      </p:sp>
+      <p:sp>
+        <p:nvSpPr>
+          <p:cNvPr id="31" name="Rectangle 30"/>
+          <p:cNvSpPr/>
+          <p:nvPr/>
+        </p:nvSpPr>
+        <p:spPr>
+          <a:xfrm>
+            <a:off x="8049410" y="399534"/>
+            <a:ext cx="3352371" cy="830997"/>
+          </a:xfrm>
+          <a:prstGeom prst="rect">
+            <a:avLst/>
+          </a:prstGeom>
+        </p:spPr>
+        <p:txBody>
+          <a:bodyPr wrap="square">
+            <a:spAutoFit/>
+          </a:bodyPr>
+          <a:lstStyle/>
+          <a:p>
+            <a:pPr algn="ctr"/>
+            <a:r>
+              <a:rPr lang="en-US" altLang="zh-TW" sz="2400" b="1" i="1" dirty="0">
+                <a:solidFill>
+                  <a:srgbClr val="FFFFFF"/>
+                </a:solidFill>
+                <a:ea typeface="PMingLiU" panose="02020500000000000000" pitchFamily="18" charset="-120"/>
+                <a:cs typeface="Times New Roman" panose="02020603050405020304" pitchFamily="18" charset="0"/>
+              </a:rPr>
+              <a:t>Seasonality of  Parameter Rate Ratios</a:t>
+            </a:r>
+            <a:endParaRPr lang="en-US" altLang="zh-TW" sz="2400" dirty="0">
+              <a:solidFill>
+                <a:srgbClr val="00000A"/>
+              </a:solidFill>
+              <a:latin typeface="Liberation Serif"/>
+              <a:ea typeface="PMingLiU" panose="02020500000000000000" pitchFamily="18" charset="-120"/>
+              <a:cs typeface="Mangal" panose="02040503050203030202" pitchFamily="18" charset="0"/>
+            </a:endParaRPr>
+          </a:p>
+        </p:txBody>
+      </p:sp>
+      <p:sp>
+        <p:nvSpPr>
+          <p:cNvPr id="42" name="Flowchart: Data 41"/>
+          <p:cNvSpPr/>
+          <p:nvPr/>
+        </p:nvSpPr>
+        <p:spPr>
+          <a:xfrm>
+            <a:off x="315347" y="448636"/>
+            <a:ext cx="4326529" cy="732791"/>
+          </a:xfrm>
+          <a:prstGeom prst="flowChartInputOutput">
+            <a:avLst/>
+          </a:prstGeom>
+        </p:spPr>
+        <p:style>
+          <a:lnRef idx="2">
+            <a:schemeClr val="accent5">
+              <a:shade val="50000"/>
+            </a:schemeClr>
+          </a:lnRef>
+          <a:fillRef idx="1">
+            <a:schemeClr val="accent5"/>
+          </a:fillRef>
+          <a:effectRef idx="0">
+            <a:schemeClr val="accent5"/>
+          </a:effectRef>
+          <a:fontRef idx="minor">
+            <a:schemeClr val="lt1"/>
+          </a:fontRef>
+        </p:style>
+        <p:txBody>
+          <a:bodyPr rot="0" spcFirstLastPara="0" vert="horz" wrap="square" lIns="91440" tIns="45720" rIns="91440" bIns="45720" numCol="1" spcCol="0" rtlCol="0" fromWordArt="0" anchor="ctr" anchorCtr="0" forceAA="0" compatLnSpc="1">
+            <a:prstTxWarp prst="textNoShape">
+              <a:avLst/>
+            </a:prstTxWarp>
+            <a:noAutofit/>
+          </a:bodyPr>
+          <a:lstStyle/>
+          <a:p>
+            <a:pPr marL="0" marR="0" algn="ctr">
+              <a:spcBef>
+                <a:spcPts val="0"/>
+              </a:spcBef>
+              <a:spcAft>
+                <a:spcPts val="0"/>
+              </a:spcAft>
+            </a:pPr>
+            <a:endParaRPr lang="en-US" sz="2400" dirty="0">
+              <a:solidFill>
+                <a:srgbClr val="00000A"/>
+              </a:solidFill>
+              <a:effectLst/>
+              <a:latin typeface="Liberation Serif"/>
+              <a:ea typeface="PMingLiU" panose="02020500000000000000" pitchFamily="18" charset="-120"/>
+              <a:cs typeface="Mangal" panose="02040503050203030202" pitchFamily="18" charset="0"/>
+            </a:endParaRPr>
+          </a:p>
+        </p:txBody>
+      </p:sp>
+      <p:sp>
+        <p:nvSpPr>
+          <p:cNvPr id="32" name="Rectangle 31"/>
+          <p:cNvSpPr/>
+          <p:nvPr/>
+        </p:nvSpPr>
+        <p:spPr>
+          <a:xfrm>
+            <a:off x="1246593" y="394106"/>
+            <a:ext cx="2525308" cy="830997"/>
+          </a:xfrm>
+          <a:prstGeom prst="rect">
+            <a:avLst/>
+          </a:prstGeom>
+        </p:spPr>
+        <p:txBody>
+          <a:bodyPr wrap="square">
+            <a:spAutoFit/>
+          </a:bodyPr>
+          <a:lstStyle/>
+          <a:p>
+            <a:pPr algn="ctr"/>
+            <a:r>
+              <a:rPr lang="en-US" altLang="zh-TW" sz="2400" b="1" i="1" dirty="0">
+                <a:solidFill>
+                  <a:srgbClr val="FFFFFF"/>
+                </a:solidFill>
+                <a:ea typeface="PMingLiU" panose="02020500000000000000" pitchFamily="18" charset="-120"/>
+                <a:cs typeface="Times New Roman" panose="02020603050405020304" pitchFamily="18" charset="0"/>
+              </a:rPr>
+              <a:t>Experimental bioassay </a:t>
+            </a:r>
+            <a:endParaRPr lang="en-US" altLang="zh-TW" sz="2400" dirty="0">
+              <a:solidFill>
+                <a:srgbClr val="00000A"/>
+              </a:solidFill>
+              <a:latin typeface="Liberation Serif"/>
+              <a:ea typeface="PMingLiU" panose="02020500000000000000" pitchFamily="18" charset="-120"/>
+              <a:cs typeface="Mangal" panose="02040503050203030202" pitchFamily="18" charset="0"/>
+            </a:endParaRPr>
+          </a:p>
+        </p:txBody>
+      </p:sp>
+      <p:sp>
+        <p:nvSpPr>
+          <p:cNvPr id="44" name="Flowchart: Terminator 43"/>
+          <p:cNvSpPr/>
+          <p:nvPr/>
+        </p:nvSpPr>
+        <p:spPr>
+          <a:xfrm>
+            <a:off x="6645631" y="5739135"/>
+            <a:ext cx="5461000" cy="953956"/>
+          </a:xfrm>
+          <a:prstGeom prst="flowChartTerminator">
+            <a:avLst/>
+          </a:prstGeom>
+        </p:spPr>
+        <p:style>
+          <a:lnRef idx="1">
+            <a:schemeClr val="accent2"/>
+          </a:lnRef>
+          <a:fillRef idx="3">
+            <a:schemeClr val="accent2"/>
+          </a:fillRef>
+          <a:effectRef idx="2">
+            <a:schemeClr val="accent2"/>
+          </a:effectRef>
+          <a:fontRef idx="minor">
+            <a:schemeClr val="lt1"/>
+          </a:fontRef>
+        </p:style>
+        <p:txBody>
+          <a:bodyPr rot="0" spcFirstLastPara="0" vert="horz" wrap="square" lIns="91440" tIns="45720" rIns="91440" bIns="45720" numCol="1" spcCol="0" rtlCol="0" fromWordArt="0" anchor="ctr" anchorCtr="0" forceAA="0" compatLnSpc="1">
+            <a:prstTxWarp prst="textNoShape">
+              <a:avLst/>
+            </a:prstTxWarp>
+            <a:noAutofit/>
+          </a:bodyPr>
+          <a:lstStyle/>
+          <a:p>
+            <a:pPr algn="ctr"/>
+            <a:r>
+              <a:rPr lang="en-US" altLang="zh-TW" sz="2400" b="1" i="1" dirty="0" err="1">
+                <a:solidFill>
+                  <a:srgbClr val="FFFFFF"/>
+                </a:solidFill>
+                <a:ea typeface="PMingLiU" panose="02020500000000000000" pitchFamily="18" charset="-120"/>
+                <a:cs typeface="Times New Roman" panose="02020603050405020304" pitchFamily="18" charset="0"/>
+              </a:rPr>
+              <a:t>Imidacloprid</a:t>
+            </a:r>
+            <a:r>
+              <a:rPr lang="en-US" altLang="zh-TW" sz="2400" b="1" i="1" dirty="0">
+                <a:solidFill>
+                  <a:srgbClr val="FFFFFF"/>
+                </a:solidFill>
+                <a:ea typeface="PMingLiU" panose="02020500000000000000" pitchFamily="18" charset="-120"/>
+                <a:cs typeface="Times New Roman" panose="02020603050405020304" pitchFamily="18" charset="0"/>
+              </a:rPr>
+              <a:t>-induced population extinction risk in long term period</a:t>
+            </a:r>
+          </a:p>
+        </p:txBody>
+      </p:sp>
+      <p:cxnSp>
+        <p:nvCxnSpPr>
+          <p:cNvPr id="10" name="Elbow Connector 9"/>
+          <p:cNvCxnSpPr>
+            <a:stCxn id="3" idx="2"/>
+            <a:endCxn id="6" idx="0"/>
+          </p:cNvCxnSpPr>
+          <p:nvPr/>
+        </p:nvCxnSpPr>
+        <p:spPr>
+          <a:xfrm rot="5400000">
+            <a:off x="3764281" y="3065636"/>
+            <a:ext cx="622435" cy="2677"/>
+          </a:xfrm>
+          <a:prstGeom prst="bentConnector3">
+            <a:avLst/>
+          </a:prstGeom>
+          <a:ln w="38100">
+            <a:tailEnd type="triangle"/>
+          </a:ln>
+        </p:spPr>
+        <p:style>
+          <a:lnRef idx="1">
+            <a:schemeClr val="accent2"/>
+          </a:lnRef>
+          <a:fillRef idx="0">
+            <a:schemeClr val="accent2"/>
+          </a:fillRef>
+          <a:effectRef idx="0">
+            <a:schemeClr val="accent2"/>
+          </a:effectRef>
+          <a:fontRef idx="minor">
+            <a:schemeClr val="tx1"/>
+          </a:fontRef>
+        </p:style>
+      </p:cxnSp>
+      <p:cxnSp>
+        <p:nvCxnSpPr>
+          <p:cNvPr id="16" name="Elbow Connector 15"/>
+          <p:cNvCxnSpPr>
+            <a:stCxn id="41" idx="4"/>
+          </p:cNvCxnSpPr>
+          <p:nvPr/>
+        </p:nvCxnSpPr>
+        <p:spPr>
+          <a:xfrm rot="5400000">
+            <a:off x="4155797" y="1095657"/>
+            <a:ext cx="1914268" cy="2077536"/>
+          </a:xfrm>
+          <a:prstGeom prst="bentConnector2">
+            <a:avLst/>
+          </a:prstGeom>
+          <a:ln w="38100">
+            <a:tailEnd type="triangle"/>
+          </a:ln>
+        </p:spPr>
+        <p:style>
+          <a:lnRef idx="1">
+            <a:schemeClr val="accent1"/>
+          </a:lnRef>
+          <a:fillRef idx="0">
+            <a:schemeClr val="accent1"/>
+          </a:fillRef>
+          <a:effectRef idx="0">
+            <a:schemeClr val="accent1"/>
+          </a:effectRef>
+          <a:fontRef idx="minor">
+            <a:schemeClr val="tx1"/>
+          </a:fontRef>
+        </p:style>
+      </p:cxnSp>
+      <p:cxnSp>
+        <p:nvCxnSpPr>
+          <p:cNvPr id="22" name="Elbow Connector 21"/>
+          <p:cNvCxnSpPr>
+            <a:stCxn id="24" idx="2"/>
+            <a:endCxn id="44" idx="0"/>
+          </p:cNvCxnSpPr>
+          <p:nvPr/>
+        </p:nvCxnSpPr>
+        <p:spPr>
+          <a:xfrm rot="16200000" flipH="1">
+            <a:off x="9203890" y="5566893"/>
+            <a:ext cx="341635" cy="2848"/>
+          </a:xfrm>
+          <a:prstGeom prst="bentConnector3">
+            <a:avLst/>
+          </a:prstGeom>
+          <a:ln w="38100">
+            <a:tailEnd type="triangle"/>
+          </a:ln>
+        </p:spPr>
+        <p:style>
+          <a:lnRef idx="1">
+            <a:schemeClr val="accent2"/>
+          </a:lnRef>
+          <a:fillRef idx="0">
+            <a:schemeClr val="accent2"/>
+          </a:fillRef>
+          <a:effectRef idx="0">
+            <a:schemeClr val="accent2"/>
+          </a:effectRef>
+          <a:fontRef idx="minor">
+            <a:schemeClr val="tx1"/>
+          </a:fontRef>
+        </p:style>
+      </p:cxnSp>
+      <p:cxnSp>
+        <p:nvCxnSpPr>
+          <p:cNvPr id="33" name="Elbow Connector 32"/>
+          <p:cNvCxnSpPr>
+            <a:stCxn id="3" idx="1"/>
+          </p:cNvCxnSpPr>
+          <p:nvPr/>
+        </p:nvCxnSpPr>
+        <p:spPr>
+          <a:xfrm rot="10800000" flipH="1" flipV="1">
+            <a:off x="2235925" y="2384149"/>
+            <a:ext cx="5220340" cy="2575742"/>
+          </a:xfrm>
+          <a:prstGeom prst="bentConnector3">
+            <a:avLst>
+              <a:gd name="adj1" fmla="val -24632"/>
+            </a:avLst>
+          </a:prstGeom>
+          <a:ln w="38100">
+            <a:tailEnd type="triangle"/>
+          </a:ln>
+        </p:spPr>
+        <p:style>
+          <a:lnRef idx="1">
+            <a:schemeClr val="accent3"/>
+          </a:lnRef>
+          <a:fillRef idx="0">
+            <a:schemeClr val="accent3"/>
+          </a:fillRef>
+          <a:effectRef idx="0">
+            <a:schemeClr val="accent3"/>
+          </a:effectRef>
+          <a:fontRef idx="minor">
+            <a:schemeClr val="tx1"/>
+          </a:fontRef>
+        </p:style>
+      </p:cxnSp>
+      <p:cxnSp>
+        <p:nvCxnSpPr>
+          <p:cNvPr id="39" name="Elbow Connector 38"/>
+          <p:cNvCxnSpPr/>
+          <p:nvPr/>
+        </p:nvCxnSpPr>
+        <p:spPr>
+          <a:xfrm rot="16200000" flipH="1">
+            <a:off x="4887207" y="2753503"/>
+            <a:ext cx="3728152" cy="585362"/>
+          </a:xfrm>
+          <a:prstGeom prst="bentConnector3">
+            <a:avLst>
+              <a:gd name="adj1" fmla="val 51533"/>
+            </a:avLst>
+          </a:prstGeom>
+          <a:ln w="38100">
+            <a:tailEnd type="triangle"/>
+          </a:ln>
+        </p:spPr>
+        <p:style>
+          <a:lnRef idx="1">
+            <a:schemeClr val="accent1"/>
+          </a:lnRef>
+          <a:fillRef idx="0">
+            <a:schemeClr val="accent1"/>
+          </a:fillRef>
+          <a:effectRef idx="0">
+            <a:schemeClr val="accent1"/>
+          </a:effectRef>
+          <a:fontRef idx="minor">
+            <a:schemeClr val="tx1"/>
+          </a:fontRef>
+        </p:style>
+      </p:cxnSp>
+      <p:cxnSp>
+        <p:nvCxnSpPr>
+          <p:cNvPr id="57" name="Straight Arrow Connector 56"/>
+          <p:cNvCxnSpPr/>
+          <p:nvPr/>
+        </p:nvCxnSpPr>
+        <p:spPr>
+          <a:xfrm flipH="1">
+            <a:off x="3210328" y="1227622"/>
+            <a:ext cx="780" cy="731520"/>
+          </a:xfrm>
+          <a:prstGeom prst="straightConnector1">
+            <a:avLst/>
+          </a:prstGeom>
+          <a:ln w="38100">
+            <a:tailEnd type="triangle"/>
+          </a:ln>
+        </p:spPr>
+        <p:style>
+          <a:lnRef idx="1">
+            <a:schemeClr val="accent1"/>
+          </a:lnRef>
+          <a:fillRef idx="0">
+            <a:schemeClr val="accent1"/>
+          </a:fillRef>
+          <a:effectRef idx="0">
+            <a:schemeClr val="accent1"/>
+          </a:effectRef>
+          <a:fontRef idx="minor">
+            <a:schemeClr val="tx1"/>
+          </a:fontRef>
+        </p:style>
+      </p:cxnSp>
     </p:spTree>
     <p:extLst>
       <p:ext uri="{BB962C8B-B14F-4D97-AF65-F5344CB8AC3E}">
@@ -6940,4 +7407,265 @@
     </a:ext>
   </a:extLst>
 </a:theme>
+</file>
+
+<file path=ppt/theme/theme2.xml><?xml version="1.0" encoding="utf-8"?>
+<a:theme xmlns:a="http://schemas.openxmlformats.org/drawingml/2006/main" name="Office Theme">
+  <a:themeElements>
+    <a:clrScheme name="Office">
+      <a:dk1>
+        <a:sysClr val="windowText" lastClr="000000"/>
+      </a:dk1>
+      <a:lt1>
+        <a:sysClr val="window" lastClr="FFFFFF"/>
+      </a:lt1>
+      <a:dk2>
+        <a:srgbClr val="44546A"/>
+      </a:dk2>
+      <a:lt2>
+        <a:srgbClr val="E7E6E6"/>
+      </a:lt2>
+      <a:accent1>
+        <a:srgbClr val="5B9BD5"/>
+      </a:accent1>
+      <a:accent2>
+        <a:srgbClr val="ED7D31"/>
+      </a:accent2>
+      <a:accent3>
+        <a:srgbClr val="A5A5A5"/>
+      </a:accent3>
+      <a:accent4>
+        <a:srgbClr val="FFC000"/>
+      </a:accent4>
+      <a:accent5>
+        <a:srgbClr val="4472C4"/>
+      </a:accent5>
+      <a:accent6>
+        <a:srgbClr val="70AD47"/>
+      </a:accent6>
+      <a:hlink>
+        <a:srgbClr val="0563C1"/>
+      </a:hlink>
+      <a:folHlink>
+        <a:srgbClr val="954F72"/>
+      </a:folHlink>
+    </a:clrScheme>
+    <a:fontScheme name="Office">
+      <a:majorFont>
+        <a:latin typeface="Calibri Light" panose="020F0302020204030204"/>
+        <a:ea typeface=""/>
+        <a:cs typeface=""/>
+        <a:font script="Jpan" typeface="ＭＳ Ｐゴシック"/>
+        <a:font script="Hang" typeface="맑은 고딕"/>
+        <a:font script="Hans" typeface="宋体"/>
+        <a:font script="Hant" typeface="新細明體"/>
+        <a:font script="Arab" typeface="Times New Roman"/>
+        <a:font script="Hebr" typeface="Times New Roman"/>
+        <a:font script="Thai" typeface="Angsana New"/>
+        <a:font script="Ethi" typeface="Nyala"/>
+        <a:font script="Beng" typeface="Vrinda"/>
+        <a:font script="Gujr" typeface="Shruti"/>
+        <a:font script="Khmr" typeface="MoolBoran"/>
+        <a:font script="Knda" typeface="Tunga"/>
+        <a:font script="Guru" typeface="Raavi"/>
+        <a:font script="Cans" typeface="Euphemia"/>
+        <a:font script="Cher" typeface="Plantagenet Cherokee"/>
+        <a:font script="Yiii" typeface="Microsoft Yi Baiti"/>
+        <a:font script="Tibt" typeface="Microsoft Himalaya"/>
+        <a:font script="Thaa" typeface="MV Boli"/>
+        <a:font script="Deva" typeface="Mangal"/>
+        <a:font script="Telu" typeface="Gautami"/>
+        <a:font script="Taml" typeface="Latha"/>
+        <a:font script="Syrc" typeface="Estrangelo Edessa"/>
+        <a:font script="Orya" typeface="Kalinga"/>
+        <a:font script="Mlym" typeface="Kartika"/>
+        <a:font script="Laoo" typeface="DokChampa"/>
+        <a:font script="Sinh" typeface="Iskoola Pota"/>
+        <a:font script="Mong" typeface="Mongolian Baiti"/>
+        <a:font script="Viet" typeface="Times New Roman"/>
+        <a:font script="Uigh" typeface="Microsoft Uighur"/>
+        <a:font script="Geor" typeface="Sylfaen"/>
+      </a:majorFont>
+      <a:minorFont>
+        <a:latin typeface="Calibri" panose="020F0502020204030204"/>
+        <a:ea typeface=""/>
+        <a:cs typeface=""/>
+        <a:font script="Jpan" typeface="ＭＳ Ｐゴシック"/>
+        <a:font script="Hang" typeface="맑은 고딕"/>
+        <a:font script="Hans" typeface="宋体"/>
+        <a:font script="Hant" typeface="新細明體"/>
+        <a:font script="Arab" typeface="Arial"/>
+        <a:font script="Hebr" typeface="Arial"/>
+        <a:font script="Thai" typeface="Cordia New"/>
+        <a:font script="Ethi" typeface="Nyala"/>
+        <a:font script="Beng" typeface="Vrinda"/>
+        <a:font script="Gujr" typeface="Shruti"/>
+        <a:font script="Khmr" typeface="DaunPenh"/>
+        <a:font script="Knda" typeface="Tunga"/>
+        <a:font script="Guru" typeface="Raavi"/>
+        <a:font script="Cans" typeface="Euphemia"/>
+        <a:font script="Cher" typeface="Plantagenet Cherokee"/>
+        <a:font script="Yiii" typeface="Microsoft Yi Baiti"/>
+        <a:font script="Tibt" typeface="Microsoft Himalaya"/>
+        <a:font script="Thaa" typeface="MV Boli"/>
+        <a:font script="Deva" typeface="Mangal"/>
+        <a:font script="Telu" typeface="Gautami"/>
+        <a:font script="Taml" typeface="Latha"/>
+        <a:font script="Syrc" typeface="Estrangelo Edessa"/>
+        <a:font script="Orya" typeface="Kalinga"/>
+        <a:font script="Mlym" typeface="Kartika"/>
+        <a:font script="Laoo" typeface="DokChampa"/>
+        <a:font script="Sinh" typeface="Iskoola Pota"/>
+        <a:font script="Mong" typeface="Mongolian Baiti"/>
+        <a:font script="Viet" typeface="Arial"/>
+        <a:font script="Uigh" typeface="Microsoft Uighur"/>
+        <a:font script="Geor" typeface="Sylfaen"/>
+      </a:minorFont>
+    </a:fontScheme>
+    <a:fmtScheme name="Office">
+      <a:fillStyleLst>
+        <a:solidFill>
+          <a:schemeClr val="phClr"/>
+        </a:solidFill>
+        <a:gradFill rotWithShape="1">
+          <a:gsLst>
+            <a:gs pos="0">
+              <a:schemeClr val="phClr">
+                <a:lumMod val="110000"/>
+                <a:satMod val="105000"/>
+                <a:tint val="67000"/>
+              </a:schemeClr>
+            </a:gs>
+            <a:gs pos="50000">
+              <a:schemeClr val="phClr">
+                <a:lumMod val="105000"/>
+                <a:satMod val="103000"/>
+                <a:tint val="73000"/>
+              </a:schemeClr>
+            </a:gs>
+            <a:gs pos="100000">
+              <a:schemeClr val="phClr">
+                <a:lumMod val="105000"/>
+                <a:satMod val="109000"/>
+                <a:tint val="81000"/>
+              </a:schemeClr>
+            </a:gs>
+          </a:gsLst>
+          <a:lin ang="5400000" scaled="0"/>
+        </a:gradFill>
+        <a:gradFill rotWithShape="1">
+          <a:gsLst>
+            <a:gs pos="0">
+              <a:schemeClr val="phClr">
+                <a:satMod val="103000"/>
+                <a:lumMod val="102000"/>
+                <a:tint val="94000"/>
+              </a:schemeClr>
+            </a:gs>
+            <a:gs pos="50000">
+              <a:schemeClr val="phClr">
+                <a:satMod val="110000"/>
+                <a:lumMod val="100000"/>
+                <a:shade val="100000"/>
+              </a:schemeClr>
+            </a:gs>
+            <a:gs pos="100000">
+              <a:schemeClr val="phClr">
+                <a:lumMod val="99000"/>
+                <a:satMod val="120000"/>
+                <a:shade val="78000"/>
+              </a:schemeClr>
+            </a:gs>
+          </a:gsLst>
+          <a:lin ang="5400000" scaled="0"/>
+        </a:gradFill>
+      </a:fillStyleLst>
+      <a:lnStyleLst>
+        <a:ln w="6350" cap="flat" cmpd="sng" algn="ctr">
+          <a:solidFill>
+            <a:schemeClr val="phClr"/>
+          </a:solidFill>
+          <a:prstDash val="solid"/>
+          <a:miter lim="800000"/>
+        </a:ln>
+        <a:ln w="12700" cap="flat" cmpd="sng" algn="ctr">
+          <a:solidFill>
+            <a:schemeClr val="phClr"/>
+          </a:solidFill>
+          <a:prstDash val="solid"/>
+          <a:miter lim="800000"/>
+        </a:ln>
+        <a:ln w="19050" cap="flat" cmpd="sng" algn="ctr">
+          <a:solidFill>
+            <a:schemeClr val="phClr"/>
+          </a:solidFill>
+          <a:prstDash val="solid"/>
+          <a:miter lim="800000"/>
+        </a:ln>
+      </a:lnStyleLst>
+      <a:effectStyleLst>
+        <a:effectStyle>
+          <a:effectLst/>
+        </a:effectStyle>
+        <a:effectStyle>
+          <a:effectLst/>
+        </a:effectStyle>
+        <a:effectStyle>
+          <a:effectLst>
+            <a:outerShdw blurRad="57150" dist="19050" dir="5400000" algn="ctr" rotWithShape="0">
+              <a:srgbClr val="000000">
+                <a:alpha val="63000"/>
+              </a:srgbClr>
+            </a:outerShdw>
+          </a:effectLst>
+        </a:effectStyle>
+      </a:effectStyleLst>
+      <a:bgFillStyleLst>
+        <a:solidFill>
+          <a:schemeClr val="phClr"/>
+        </a:solidFill>
+        <a:solidFill>
+          <a:schemeClr val="phClr">
+            <a:tint val="95000"/>
+            <a:satMod val="170000"/>
+          </a:schemeClr>
+        </a:solidFill>
+        <a:gradFill rotWithShape="1">
+          <a:gsLst>
+            <a:gs pos="0">
+              <a:schemeClr val="phClr">
+                <a:tint val="93000"/>
+                <a:satMod val="150000"/>
+                <a:shade val="98000"/>
+                <a:lumMod val="102000"/>
+              </a:schemeClr>
+            </a:gs>
+            <a:gs pos="50000">
+              <a:schemeClr val="phClr">
+                <a:tint val="98000"/>
+                <a:satMod val="130000"/>
+                <a:shade val="90000"/>
+                <a:lumMod val="103000"/>
+              </a:schemeClr>
+            </a:gs>
+            <a:gs pos="100000">
+              <a:schemeClr val="phClr">
+                <a:shade val="63000"/>
+                <a:satMod val="120000"/>
+              </a:schemeClr>
+            </a:gs>
+          </a:gsLst>
+          <a:lin ang="5400000" scaled="0"/>
+        </a:gradFill>
+      </a:bgFillStyleLst>
+    </a:fmtScheme>
+  </a:themeElements>
+  <a:objectDefaults/>
+  <a:extraClrSchemeLst/>
+  <a:extLst>
+    <a:ext uri="{05A4C25C-085E-4340-85A3-A5531E510DB2}">
+      <thm15:themeFamily xmlns:thm15="http://schemas.microsoft.com/office/thememl/2012/main" name="Office Theme" id="{62F939B6-93AF-4DB8-9C6B-D6C7DFDC589F}" vid="{4A3C46E8-61CC-4603-A589-7422A47A8E4A}"/>
+    </a:ext>
+  </a:extLst>
+</a:theme>
 </file>